--- a/.lessons/Entry.pptx
+++ b/.lessons/Entry.pptx
@@ -5,8 +5,16 @@
     <p:sldMasterId id="2147483648" r:id="rId1"/>
   </p:sldMasterIdLst>
   <p:sldIdLst>
-    <p:sldId id="256" r:id="rId2"/>
-    <p:sldId id="263" r:id="rId3"/>
+    <p:sldId id="263" r:id="rId2"/>
+    <p:sldId id="264" r:id="rId3"/>
+    <p:sldId id="265" r:id="rId4"/>
+    <p:sldId id="256" r:id="rId5"/>
+    <p:sldId id="266" r:id="rId6"/>
+    <p:sldId id="267" r:id="rId7"/>
+    <p:sldId id="268" r:id="rId8"/>
+    <p:sldId id="269" r:id="rId9"/>
+    <p:sldId id="270" r:id="rId10"/>
+    <p:sldId id="271" r:id="rId11"/>
   </p:sldIdLst>
   <p:sldSz cx="12192000" cy="6858000"/>
   <p:notesSz cx="6858000" cy="9144000"/>
@@ -260,7 +268,7 @@
           <a:p>
             <a:fld id="{AD6CDC28-10E2-4CDE-A5FF-6E49B37A1343}" type="datetimeFigureOut">
               <a:rPr lang="en-US" smtClean="0"/>
-              <a:t>10/9/2025</a:t>
+              <a:t>10/11/2025</a:t>
             </a:fld>
             <a:endParaRPr lang="en-US"/>
           </a:p>
@@ -458,7 +466,7 @@
           <a:p>
             <a:fld id="{AD6CDC28-10E2-4CDE-A5FF-6E49B37A1343}" type="datetimeFigureOut">
               <a:rPr lang="en-US" smtClean="0"/>
-              <a:t>10/9/2025</a:t>
+              <a:t>10/11/2025</a:t>
             </a:fld>
             <a:endParaRPr lang="en-US"/>
           </a:p>
@@ -666,7 +674,7 @@
           <a:p>
             <a:fld id="{AD6CDC28-10E2-4CDE-A5FF-6E49B37A1343}" type="datetimeFigureOut">
               <a:rPr lang="en-US" smtClean="0"/>
-              <a:t>10/9/2025</a:t>
+              <a:t>10/11/2025</a:t>
             </a:fld>
             <a:endParaRPr lang="en-US"/>
           </a:p>
@@ -864,7 +872,7 @@
           <a:p>
             <a:fld id="{AD6CDC28-10E2-4CDE-A5FF-6E49B37A1343}" type="datetimeFigureOut">
               <a:rPr lang="en-US" smtClean="0"/>
-              <a:t>10/9/2025</a:t>
+              <a:t>10/11/2025</a:t>
             </a:fld>
             <a:endParaRPr lang="en-US"/>
           </a:p>
@@ -1139,7 +1147,7 @@
           <a:p>
             <a:fld id="{AD6CDC28-10E2-4CDE-A5FF-6E49B37A1343}" type="datetimeFigureOut">
               <a:rPr lang="en-US" smtClean="0"/>
-              <a:t>10/9/2025</a:t>
+              <a:t>10/11/2025</a:t>
             </a:fld>
             <a:endParaRPr lang="en-US"/>
           </a:p>
@@ -1404,7 +1412,7 @@
           <a:p>
             <a:fld id="{AD6CDC28-10E2-4CDE-A5FF-6E49B37A1343}" type="datetimeFigureOut">
               <a:rPr lang="en-US" smtClean="0"/>
-              <a:t>10/9/2025</a:t>
+              <a:t>10/11/2025</a:t>
             </a:fld>
             <a:endParaRPr lang="en-US"/>
           </a:p>
@@ -1816,7 +1824,7 @@
           <a:p>
             <a:fld id="{AD6CDC28-10E2-4CDE-A5FF-6E49B37A1343}" type="datetimeFigureOut">
               <a:rPr lang="en-US" smtClean="0"/>
-              <a:t>10/9/2025</a:t>
+              <a:t>10/11/2025</a:t>
             </a:fld>
             <a:endParaRPr lang="en-US"/>
           </a:p>
@@ -1957,7 +1965,7 @@
           <a:p>
             <a:fld id="{AD6CDC28-10E2-4CDE-A5FF-6E49B37A1343}" type="datetimeFigureOut">
               <a:rPr lang="en-US" smtClean="0"/>
-              <a:t>10/9/2025</a:t>
+              <a:t>10/11/2025</a:t>
             </a:fld>
             <a:endParaRPr lang="en-US"/>
           </a:p>
@@ -2070,7 +2078,7 @@
           <a:p>
             <a:fld id="{AD6CDC28-10E2-4CDE-A5FF-6E49B37A1343}" type="datetimeFigureOut">
               <a:rPr lang="en-US" smtClean="0"/>
-              <a:t>10/9/2025</a:t>
+              <a:t>10/11/2025</a:t>
             </a:fld>
             <a:endParaRPr lang="en-US"/>
           </a:p>
@@ -2381,7 +2389,7 @@
           <a:p>
             <a:fld id="{AD6CDC28-10E2-4CDE-A5FF-6E49B37A1343}" type="datetimeFigureOut">
               <a:rPr lang="en-US" smtClean="0"/>
-              <a:t>10/9/2025</a:t>
+              <a:t>10/11/2025</a:t>
             </a:fld>
             <a:endParaRPr lang="en-US"/>
           </a:p>
@@ -2669,7 +2677,7 @@
           <a:p>
             <a:fld id="{AD6CDC28-10E2-4CDE-A5FF-6E49B37A1343}" type="datetimeFigureOut">
               <a:rPr lang="en-US" smtClean="0"/>
-              <a:t>10/9/2025</a:t>
+              <a:t>10/11/2025</a:t>
             </a:fld>
             <a:endParaRPr lang="en-US"/>
           </a:p>
@@ -2910,7 +2918,7 @@
           <a:p>
             <a:fld id="{AD6CDC28-10E2-4CDE-A5FF-6E49B37A1343}" type="datetimeFigureOut">
               <a:rPr lang="en-US" smtClean="0"/>
-              <a:t>10/9/2025</a:t>
+              <a:t>10/11/2025</a:t>
             </a:fld>
             <a:endParaRPr lang="en-US"/>
           </a:p>
@@ -3315,209 +3323,6 @@
   <p:cSld>
     <p:spTree>
       <p:nvGrpSpPr>
-        <p:cNvPr id="1" name=""/>
-        <p:cNvGrpSpPr/>
-        <p:nvPr/>
-      </p:nvGrpSpPr>
-      <p:grpSpPr>
-        <a:xfrm>
-          <a:off x="0" y="0"/>
-          <a:ext cx="0" cy="0"/>
-          <a:chOff x="0" y="0"/>
-          <a:chExt cx="0" cy="0"/>
-        </a:xfrm>
-      </p:grpSpPr>
-      <p:sp>
-        <p:nvSpPr>
-          <p:cNvPr id="7" name="TextBox 6">
-            <a:extLst>
-              <a:ext uri="{FF2B5EF4-FFF2-40B4-BE49-F238E27FC236}">
-                <a16:creationId xmlns:a16="http://schemas.microsoft.com/office/drawing/2014/main" id="{B0932357-86BD-10D6-6AE2-3B57D9B9B2A8}"/>
-              </a:ext>
-            </a:extLst>
-          </p:cNvPr>
-          <p:cNvSpPr txBox="1"/>
-          <p:nvPr/>
-        </p:nvSpPr>
-        <p:spPr>
-          <a:xfrm>
-            <a:off x="402956" y="244826"/>
-            <a:ext cx="11622789" cy="6001643"/>
-          </a:xfrm>
-          <a:prstGeom prst="rect">
-            <a:avLst/>
-          </a:prstGeom>
-          <a:noFill/>
-        </p:spPr>
-        <p:txBody>
-          <a:bodyPr wrap="square">
-            <a:spAutoFit/>
-          </a:bodyPr>
-          <a:lstStyle/>
-          <a:p>
-            <a:r>
-              <a:rPr lang="az-Latn-AZ" sz="2400" b="1">
-                <a:solidFill>
-                  <a:srgbClr val="FF0000"/>
-                </a:solidFill>
-              </a:rPr>
-              <a:t>Dərslərin keçirilmə ardıcıllığı</a:t>
-            </a:r>
-            <a:r>
-              <a:rPr lang="az-Latn-AZ" sz="2400"/>
-              <a:t>:</a:t>
-            </a:r>
-          </a:p>
-          <a:p>
-            <a:endParaRPr lang="az-Latn-AZ" sz="2400"/>
-          </a:p>
-          <a:p>
-            <a:pPr marL="457200" indent="-457200">
-              <a:buFont typeface="+mj-lt"/>
-              <a:buAutoNum type="arabicPeriod"/>
-            </a:pPr>
-            <a:r>
-              <a:rPr lang="en-US" sz="2400"/>
-              <a:t>Operating systems </a:t>
-            </a:r>
-          </a:p>
-          <a:p>
-            <a:pPr marL="457200" indent="-457200">
-              <a:buFont typeface="+mj-lt"/>
-              <a:buAutoNum type="arabicPeriod"/>
-            </a:pPr>
-            <a:r>
-              <a:rPr lang="en-US" sz="2400"/>
-              <a:t>Servers</a:t>
-            </a:r>
-          </a:p>
-          <a:p>
-            <a:pPr marL="457200" indent="-457200">
-              <a:buFont typeface="+mj-lt"/>
-              <a:buAutoNum type="arabicPeriod"/>
-            </a:pPr>
-            <a:r>
-              <a:rPr lang="en-US" sz="2400"/>
-              <a:t>Cloud providers </a:t>
-            </a:r>
-          </a:p>
-          <a:p>
-            <a:pPr marL="457200" indent="-457200">
-              <a:buFont typeface="+mj-lt"/>
-              <a:buAutoNum type="arabicPeriod"/>
-            </a:pPr>
-            <a:r>
-              <a:rPr lang="en-US" sz="2400"/>
-              <a:t>Containers </a:t>
-            </a:r>
-          </a:p>
-          <a:p>
-            <a:pPr marL="457200" indent="-457200">
-              <a:buFont typeface="+mj-lt"/>
-              <a:buAutoNum type="arabicPeriod"/>
-            </a:pPr>
-            <a:r>
-              <a:rPr lang="en-US" sz="2400"/>
-              <a:t>Git </a:t>
-            </a:r>
-          </a:p>
-          <a:p>
-            <a:pPr marL="457200" indent="-457200">
-              <a:buFont typeface="+mj-lt"/>
-              <a:buAutoNum type="arabicPeriod"/>
-            </a:pPr>
-            <a:r>
-              <a:rPr lang="en-US" sz="2400"/>
-              <a:t>Infrastructure as a code </a:t>
-            </a:r>
-          </a:p>
-          <a:p>
-            <a:pPr marL="457200" indent="-457200">
-              <a:buFont typeface="+mj-lt"/>
-              <a:buAutoNum type="arabicPeriod"/>
-            </a:pPr>
-            <a:r>
-              <a:rPr lang="en-US" sz="2400"/>
-              <a:t>Kubernetes </a:t>
-            </a:r>
-          </a:p>
-          <a:p>
-            <a:pPr marL="457200" indent="-457200">
-              <a:buFont typeface="+mj-lt"/>
-              <a:buAutoNum type="arabicPeriod"/>
-            </a:pPr>
-            <a:r>
-              <a:rPr lang="en-US" sz="2400"/>
-              <a:t>Monitoring &amp; observability (logging) </a:t>
-            </a:r>
-          </a:p>
-          <a:p>
-            <a:pPr marL="457200" indent="-457200">
-              <a:buFont typeface="+mj-lt"/>
-              <a:buAutoNum type="arabicPeriod"/>
-            </a:pPr>
-            <a:r>
-              <a:rPr lang="en-US" sz="2400"/>
-              <a:t>Networking and security </a:t>
-            </a:r>
-          </a:p>
-          <a:p>
-            <a:pPr marL="457200" indent="-457200">
-              <a:buFont typeface="+mj-lt"/>
-              <a:buAutoNum type="arabicPeriod"/>
-            </a:pPr>
-            <a:r>
-              <a:rPr lang="en-US" sz="2400"/>
-              <a:t>Programing language </a:t>
-            </a:r>
-          </a:p>
-          <a:p>
-            <a:pPr marL="457200" indent="-457200">
-              <a:buFont typeface="+mj-lt"/>
-              <a:buAutoNum type="arabicPeriod"/>
-            </a:pPr>
-            <a:r>
-              <a:rPr lang="en-US" sz="2400"/>
-              <a:t>CI &amp; CD</a:t>
-            </a:r>
-          </a:p>
-          <a:p>
-            <a:pPr marL="457200" indent="-457200">
-              <a:buFont typeface="+mj-lt"/>
-              <a:buAutoNum type="arabicPeriod"/>
-            </a:pPr>
-            <a:r>
-              <a:rPr lang="en-US" sz="2400"/>
-              <a:t>Software engineering practices </a:t>
-            </a:r>
-            <a:endParaRPr lang="az-Latn-AZ" sz="2400"/>
-          </a:p>
-          <a:p>
-            <a:endParaRPr lang="az-Latn-AZ" sz="2400"/>
-          </a:p>
-          <a:p>
-            <a:endParaRPr lang="en-US" sz="2400"/>
-          </a:p>
-        </p:txBody>
-      </p:sp>
-    </p:spTree>
-    <p:extLst>
-      <p:ext uri="{BB962C8B-B14F-4D97-AF65-F5344CB8AC3E}">
-        <p14:creationId xmlns:p14="http://schemas.microsoft.com/office/powerpoint/2010/main" val="3612794854"/>
-      </p:ext>
-    </p:extLst>
-  </p:cSld>
-  <p:clrMapOvr>
-    <a:masterClrMapping/>
-  </p:clrMapOvr>
-</p:sld>
-</file>
-
-<file path=ppt/slides/slide2.xml><?xml version="1.0" encoding="utf-8"?>
-<p:sld xmlns:a="http://schemas.openxmlformats.org/drawingml/2006/main" xmlns:r="http://schemas.openxmlformats.org/officeDocument/2006/relationships" xmlns:p="http://schemas.openxmlformats.org/presentationml/2006/main">
-  <p:cSld>
-    <p:spTree>
-      <p:nvGrpSpPr>
         <p:cNvPr id="1" name="">
           <a:extLst>
             <a:ext uri="{FF2B5EF4-FFF2-40B4-BE49-F238E27FC236}">
@@ -3550,8 +3355,8 @@
         </p:nvSpPr>
         <p:spPr>
           <a:xfrm>
-            <a:off x="203200" y="244826"/>
-            <a:ext cx="11822545" cy="369332"/>
+            <a:off x="0" y="244826"/>
+            <a:ext cx="12192000" cy="3970318"/>
           </a:xfrm>
           <a:prstGeom prst="rect">
             <a:avLst/>
@@ -3564,12 +3369,145 @@
           </a:bodyPr>
           <a:lstStyle/>
           <a:p>
+            <a:pPr algn="ctr"/>
+            <a:r>
+              <a:rPr lang="az-Latn-AZ" sz="3600" b="1">
+                <a:solidFill>
+                  <a:srgbClr val="FF0000"/>
+                </a:solidFill>
+                <a:latin typeface="-apple-system"/>
+              </a:rPr>
+              <a:t>DevOps</a:t>
+            </a:r>
+            <a:endParaRPr lang="az-Latn-AZ" b="1">
+              <a:solidFill>
+                <a:srgbClr val="FF0000"/>
+              </a:solidFill>
+              <a:latin typeface="-apple-system"/>
+            </a:endParaRPr>
+          </a:p>
+          <a:p>
             <a:r>
               <a:rPr lang="en-US">
                 <a:latin typeface="-apple-system"/>
               </a:rPr>
+              <a:t>“DevOps” anlayışı çox zaman “serverləri idarə edən” kimi səthi başa düşülür, amma əslində DevOps bundan qat-qat geniş və dərin bir sahədir.</a:t>
+            </a:r>
+            <a:endParaRPr lang="az-Latn-AZ">
+              <a:latin typeface="-apple-system"/>
+            </a:endParaRPr>
+          </a:p>
+          <a:p>
+            <a:endParaRPr lang="az-Latn-AZ">
+              <a:latin typeface="-apple-system"/>
+            </a:endParaRPr>
+          </a:p>
+          <a:p>
+            <a:endParaRPr lang="az-Latn-AZ">
+              <a:latin typeface="-apple-system"/>
+            </a:endParaRPr>
+          </a:p>
+          <a:p>
+            <a:r>
+              <a:rPr lang="en-US" b="1"/>
+              <a:t>DevOps</a:t>
+            </a:r>
+            <a:r>
+              <a:rPr lang="en-US"/>
+              <a:t> termini “</a:t>
+            </a:r>
+            <a:r>
+              <a:rPr lang="en-US" b="1"/>
+              <a:t>Development (Proqramlaşdırma)</a:t>
+            </a:r>
+            <a:r>
+              <a:rPr lang="en-US"/>
+              <a:t>” və “</a:t>
+            </a:r>
+            <a:r>
+              <a:rPr lang="en-US" b="1"/>
+              <a:t>Operations (Əməliyyatlar)</a:t>
+            </a:r>
+            <a:r>
+              <a:rPr lang="en-US"/>
+              <a:t>” sözlərinin birləşməsidir.</a:t>
+            </a:r>
+            <a:br>
+              <a:rPr lang="en-US"/>
+            </a:br>
+            <a:r>
+              <a:rPr lang="en-US"/>
+              <a:t>Yəni, </a:t>
+            </a:r>
+            <a:r>
+              <a:rPr lang="en-US" b="1"/>
+              <a:t>DevOps — proqramçı (developer)</a:t>
+            </a:r>
+            <a:r>
+              <a:rPr lang="en-US"/>
+              <a:t> ilə </a:t>
+            </a:r>
+            <a:r>
+              <a:rPr lang="en-US" b="1"/>
+              <a:t>sistem administratoru (sysadmin)</a:t>
+            </a:r>
+            <a:r>
+              <a:rPr lang="en-US"/>
+              <a:t> arasında körpü rolunu oynayan mütəxəssisdir.</a:t>
+            </a:r>
+          </a:p>
+          <a:p>
+            <a:endParaRPr lang="az-Latn-AZ" b="1"/>
+          </a:p>
+          <a:p>
+            <a:r>
+              <a:rPr lang="en-US" b="1"/>
+              <a:t>Məqsəd:</a:t>
+            </a:r>
+          </a:p>
+          <a:p>
+            <a:pPr marL="285750" indent="-285750">
+              <a:lnSpc>
+                <a:spcPct val="150000"/>
+              </a:lnSpc>
+              <a:buFont typeface="Arial" panose="020B0604020202020204" pitchFamily="34" charset="0"/>
+              <a:buChar char="•"/>
+            </a:pPr>
+            <a:r>
+              <a:rPr lang="en-US"/>
+              <a:t>Kodun yazıldığı andan istehsal serverində (production) işləyənə qədər </a:t>
+            </a:r>
+            <a:r>
+              <a:rPr lang="en-US" b="1"/>
+              <a:t>bütün prosesi avtomatlaşdırmaq və idarə etmək</a:t>
+            </a:r>
+            <a:r>
+              <a:rPr lang="en-US"/>
               <a:t>.</a:t>
             </a:r>
+          </a:p>
+          <a:p>
+            <a:pPr marL="285750" indent="-285750">
+              <a:lnSpc>
+                <a:spcPct val="150000"/>
+              </a:lnSpc>
+              <a:buFont typeface="Arial" panose="020B0604020202020204" pitchFamily="34" charset="0"/>
+              <a:buChar char="•"/>
+            </a:pPr>
+            <a:r>
+              <a:rPr lang="en-US"/>
+              <a:t>Sistemlərin </a:t>
+            </a:r>
+            <a:r>
+              <a:rPr lang="en-US" b="1"/>
+              <a:t>sabit, təhlükəsiz, tez və davamlı</a:t>
+            </a:r>
+            <a:r>
+              <a:rPr lang="en-US"/>
+              <a:t> işləməsini təmin etmək.</a:t>
+            </a:r>
+          </a:p>
+          <a:p>
             <a:endParaRPr lang="en-US"/>
           </a:p>
         </p:txBody>
@@ -3578,6 +3516,2254 @@
     <p:extLst>
       <p:ext uri="{BB962C8B-B14F-4D97-AF65-F5344CB8AC3E}">
         <p14:creationId xmlns:p14="http://schemas.microsoft.com/office/powerpoint/2010/main" val="224514128"/>
+      </p:ext>
+    </p:extLst>
+  </p:cSld>
+  <p:clrMapOvr>
+    <a:masterClrMapping/>
+  </p:clrMapOvr>
+</p:sld>
+</file>
+
+<file path=ppt/slides/slide10.xml><?xml version="1.0" encoding="utf-8"?>
+<p:sld xmlns:a="http://schemas.openxmlformats.org/drawingml/2006/main" xmlns:r="http://schemas.openxmlformats.org/officeDocument/2006/relationships" xmlns:p="http://schemas.openxmlformats.org/presentationml/2006/main">
+  <p:cSld>
+    <p:spTree>
+      <p:nvGrpSpPr>
+        <p:cNvPr id="1" name="">
+          <a:extLst>
+            <a:ext uri="{FF2B5EF4-FFF2-40B4-BE49-F238E27FC236}">
+              <a16:creationId xmlns:a16="http://schemas.microsoft.com/office/drawing/2014/main" id="{D18C3885-7360-85D6-1B5C-4CC72102B1DB}"/>
+            </a:ext>
+          </a:extLst>
+        </p:cNvPr>
+        <p:cNvGrpSpPr/>
+        <p:nvPr/>
+      </p:nvGrpSpPr>
+      <p:grpSpPr>
+        <a:xfrm>
+          <a:off x="0" y="0"/>
+          <a:ext cx="0" cy="0"/>
+          <a:chOff x="0" y="0"/>
+          <a:chExt cx="0" cy="0"/>
+        </a:xfrm>
+      </p:grpSpPr>
+      <p:sp>
+        <p:nvSpPr>
+          <p:cNvPr id="7" name="TextBox 6">
+            <a:extLst>
+              <a:ext uri="{FF2B5EF4-FFF2-40B4-BE49-F238E27FC236}">
+                <a16:creationId xmlns:a16="http://schemas.microsoft.com/office/drawing/2014/main" id="{D8D87F96-00BA-59E4-FCE5-9FCE9162D848}"/>
+              </a:ext>
+            </a:extLst>
+          </p:cNvPr>
+          <p:cNvSpPr txBox="1"/>
+          <p:nvPr/>
+        </p:nvSpPr>
+        <p:spPr>
+          <a:xfrm>
+            <a:off x="203200" y="244826"/>
+            <a:ext cx="11822545" cy="276999"/>
+          </a:xfrm>
+          <a:prstGeom prst="rect">
+            <a:avLst/>
+          </a:prstGeom>
+          <a:noFill/>
+        </p:spPr>
+        <p:txBody>
+          <a:bodyPr wrap="square">
+            <a:spAutoFit/>
+          </a:bodyPr>
+          <a:lstStyle/>
+          <a:p>
+            <a:r>
+              <a:rPr lang="az-Latn-AZ" sz="1200"/>
+              <a:t>.</a:t>
+            </a:r>
+            <a:endParaRPr lang="en-US" sz="1200"/>
+          </a:p>
+        </p:txBody>
+      </p:sp>
+    </p:spTree>
+    <p:extLst>
+      <p:ext uri="{BB962C8B-B14F-4D97-AF65-F5344CB8AC3E}">
+        <p14:creationId xmlns:p14="http://schemas.microsoft.com/office/powerpoint/2010/main" val="4137925783"/>
+      </p:ext>
+    </p:extLst>
+  </p:cSld>
+  <p:clrMapOvr>
+    <a:masterClrMapping/>
+  </p:clrMapOvr>
+</p:sld>
+</file>
+
+<file path=ppt/slides/slide2.xml><?xml version="1.0" encoding="utf-8"?>
+<p:sld xmlns:a="http://schemas.openxmlformats.org/drawingml/2006/main" xmlns:r="http://schemas.openxmlformats.org/officeDocument/2006/relationships" xmlns:p="http://schemas.openxmlformats.org/presentationml/2006/main">
+  <p:cSld>
+    <p:spTree>
+      <p:nvGrpSpPr>
+        <p:cNvPr id="1" name="">
+          <a:extLst>
+            <a:ext uri="{FF2B5EF4-FFF2-40B4-BE49-F238E27FC236}">
+              <a16:creationId xmlns:a16="http://schemas.microsoft.com/office/drawing/2014/main" id="{8CFA4862-33F3-62F4-490E-64F49718FF11}"/>
+            </a:ext>
+          </a:extLst>
+        </p:cNvPr>
+        <p:cNvGrpSpPr/>
+        <p:nvPr/>
+      </p:nvGrpSpPr>
+      <p:grpSpPr>
+        <a:xfrm>
+          <a:off x="0" y="0"/>
+          <a:ext cx="0" cy="0"/>
+          <a:chOff x="0" y="0"/>
+          <a:chExt cx="0" cy="0"/>
+        </a:xfrm>
+      </p:grpSpPr>
+      <p:sp>
+        <p:nvSpPr>
+          <p:cNvPr id="7" name="TextBox 6">
+            <a:extLst>
+              <a:ext uri="{FF2B5EF4-FFF2-40B4-BE49-F238E27FC236}">
+                <a16:creationId xmlns:a16="http://schemas.microsoft.com/office/drawing/2014/main" id="{11126CE8-41D4-9787-4774-C8128008860C}"/>
+              </a:ext>
+            </a:extLst>
+          </p:cNvPr>
+          <p:cNvSpPr txBox="1"/>
+          <p:nvPr/>
+        </p:nvSpPr>
+        <p:spPr>
+          <a:xfrm>
+            <a:off x="203200" y="244826"/>
+            <a:ext cx="11822545" cy="923330"/>
+          </a:xfrm>
+          <a:prstGeom prst="rect">
+            <a:avLst/>
+          </a:prstGeom>
+          <a:noFill/>
+        </p:spPr>
+        <p:txBody>
+          <a:bodyPr wrap="square">
+            <a:spAutoFit/>
+          </a:bodyPr>
+          <a:lstStyle/>
+          <a:p>
+            <a:r>
+              <a:rPr lang="en-US" b="1"/>
+              <a:t>DevOps nə iş görür? (Əsas vəzifələr)</a:t>
+            </a:r>
+            <a:endParaRPr lang="az-Latn-AZ" b="1"/>
+          </a:p>
+          <a:p>
+            <a:endParaRPr lang="en-US" b="1"/>
+          </a:p>
+          <a:p>
+            <a:r>
+              <a:rPr lang="en-US"/>
+              <a:t>DevOps-un işi yalnız server açmaq deyil — bu, </a:t>
+            </a:r>
+            <a:r>
+              <a:rPr lang="en-US" b="1"/>
+              <a:t>prosesin bütün mərhələlərini idarə etmək</a:t>
+            </a:r>
+            <a:r>
+              <a:rPr lang="en-US"/>
+              <a:t>dir:</a:t>
+            </a:r>
+          </a:p>
+        </p:txBody>
+      </p:sp>
+      <p:graphicFrame>
+        <p:nvGraphicFramePr>
+          <p:cNvPr id="2" name="Table 1">
+            <a:extLst>
+              <a:ext uri="{FF2B5EF4-FFF2-40B4-BE49-F238E27FC236}">
+                <a16:creationId xmlns:a16="http://schemas.microsoft.com/office/drawing/2014/main" id="{C4330963-352D-21D3-5F75-FBAA2FC71D44}"/>
+              </a:ext>
+            </a:extLst>
+          </p:cNvPr>
+          <p:cNvGraphicFramePr>
+            <a:graphicFrameLocks noGrp="1"/>
+          </p:cNvGraphicFramePr>
+          <p:nvPr>
+            <p:extLst>
+              <p:ext uri="{D42A27DB-BD31-4B8C-83A1-F6EECF244321}">
+                <p14:modId xmlns:p14="http://schemas.microsoft.com/office/powerpoint/2010/main" val="3091975951"/>
+              </p:ext>
+            </p:extLst>
+          </p:nvPr>
+        </p:nvGraphicFramePr>
+        <p:xfrm>
+          <a:off x="304800" y="1825625"/>
+          <a:ext cx="11720945" cy="4379355"/>
+        </p:xfrm>
+        <a:graphic>
+          <a:graphicData uri="http://schemas.openxmlformats.org/drawingml/2006/table">
+            <a:tbl>
+              <a:tblPr/>
+              <a:tblGrid>
+                <a:gridCol w="3697202">
+                  <a:extLst>
+                    <a:ext uri="{9D8B030D-6E8A-4147-A177-3AD203B41FA5}">
+                      <a16:colId xmlns:a16="http://schemas.microsoft.com/office/drawing/2014/main" val="3851257285"/>
+                    </a:ext>
+                  </a:extLst>
+                </a:gridCol>
+                <a:gridCol w="8023743">
+                  <a:extLst>
+                    <a:ext uri="{9D8B030D-6E8A-4147-A177-3AD203B41FA5}">
+                      <a16:colId xmlns:a16="http://schemas.microsoft.com/office/drawing/2014/main" val="557845152"/>
+                    </a:ext>
+                  </a:extLst>
+                </a:gridCol>
+              </a:tblGrid>
+              <a:tr h="328403">
+                <a:tc>
+                  <a:txBody>
+                    <a:bodyPr/>
+                    <a:lstStyle/>
+                    <a:p>
+                      <a:pPr>
+                        <a:buNone/>
+                      </a:pPr>
+                      <a:r>
+                        <a:rPr lang="en-US" sz="1800" b="1"/>
+                        <a:t>Mərhələ</a:t>
+                      </a:r>
+                    </a:p>
+                  </a:txBody>
+                  <a:tcPr marL="82101" marR="82101" marT="41050" marB="41050" anchor="ctr">
+                    <a:lnL w="12700" cap="flat" cmpd="sng" algn="ctr">
+                      <a:solidFill>
+                        <a:schemeClr val="tx1"/>
+                      </a:solidFill>
+                      <a:prstDash val="solid"/>
+                      <a:round/>
+                      <a:headEnd type="none" w="med" len="med"/>
+                      <a:tailEnd type="none" w="med" len="med"/>
+                    </a:lnL>
+                    <a:lnR w="12700" cap="flat" cmpd="sng" algn="ctr">
+                      <a:solidFill>
+                        <a:schemeClr val="tx1"/>
+                      </a:solidFill>
+                      <a:prstDash val="solid"/>
+                      <a:round/>
+                      <a:headEnd type="none" w="med" len="med"/>
+                      <a:tailEnd type="none" w="med" len="med"/>
+                    </a:lnR>
+                    <a:lnT w="12700" cap="flat" cmpd="sng" algn="ctr">
+                      <a:solidFill>
+                        <a:schemeClr val="tx1"/>
+                      </a:solidFill>
+                      <a:prstDash val="solid"/>
+                      <a:round/>
+                      <a:headEnd type="none" w="med" len="med"/>
+                      <a:tailEnd type="none" w="med" len="med"/>
+                    </a:lnT>
+                    <a:lnB w="12700" cap="flat" cmpd="sng" algn="ctr">
+                      <a:solidFill>
+                        <a:schemeClr val="tx1"/>
+                      </a:solidFill>
+                      <a:prstDash val="solid"/>
+                      <a:round/>
+                      <a:headEnd type="none" w="med" len="med"/>
+                      <a:tailEnd type="none" w="med" len="med"/>
+                    </a:lnB>
+                    <a:solidFill>
+                      <a:schemeClr val="accent2"/>
+                    </a:solidFill>
+                  </a:tcPr>
+                </a:tc>
+                <a:tc>
+                  <a:txBody>
+                    <a:bodyPr/>
+                    <a:lstStyle/>
+                    <a:p>
+                      <a:pPr>
+                        <a:buNone/>
+                      </a:pPr>
+                      <a:r>
+                        <a:rPr lang="en-US" sz="1800" b="1"/>
+                        <a:t>DevOps-un rolu</a:t>
+                      </a:r>
+                    </a:p>
+                  </a:txBody>
+                  <a:tcPr marL="82101" marR="82101" marT="41050" marB="41050" anchor="ctr">
+                    <a:lnL w="12700" cap="flat" cmpd="sng" algn="ctr">
+                      <a:solidFill>
+                        <a:schemeClr val="tx1"/>
+                      </a:solidFill>
+                      <a:prstDash val="solid"/>
+                      <a:round/>
+                      <a:headEnd type="none" w="med" len="med"/>
+                      <a:tailEnd type="none" w="med" len="med"/>
+                    </a:lnL>
+                    <a:lnR w="12700" cap="flat" cmpd="sng" algn="ctr">
+                      <a:solidFill>
+                        <a:schemeClr val="tx1"/>
+                      </a:solidFill>
+                      <a:prstDash val="solid"/>
+                      <a:round/>
+                      <a:headEnd type="none" w="med" len="med"/>
+                      <a:tailEnd type="none" w="med" len="med"/>
+                    </a:lnR>
+                    <a:lnT w="12700" cap="flat" cmpd="sng" algn="ctr">
+                      <a:solidFill>
+                        <a:schemeClr val="tx1"/>
+                      </a:solidFill>
+                      <a:prstDash val="solid"/>
+                      <a:round/>
+                      <a:headEnd type="none" w="med" len="med"/>
+                      <a:tailEnd type="none" w="med" len="med"/>
+                    </a:lnT>
+                    <a:lnB w="12700" cap="flat" cmpd="sng" algn="ctr">
+                      <a:solidFill>
+                        <a:schemeClr val="tx1"/>
+                      </a:solidFill>
+                      <a:prstDash val="solid"/>
+                      <a:round/>
+                      <a:headEnd type="none" w="med" len="med"/>
+                      <a:tailEnd type="none" w="med" len="med"/>
+                    </a:lnB>
+                    <a:solidFill>
+                      <a:schemeClr val="accent2"/>
+                    </a:solidFill>
+                  </a:tcPr>
+                </a:tc>
+                <a:extLst>
+                  <a:ext uri="{0D108BD9-81ED-4DB2-BD59-A6C34878D82A}">
+                    <a16:rowId xmlns:a16="http://schemas.microsoft.com/office/drawing/2014/main" val="3840836494"/>
+                  </a:ext>
+                </a:extLst>
+              </a:tr>
+              <a:tr h="574705">
+                <a:tc>
+                  <a:txBody>
+                    <a:bodyPr/>
+                    <a:lstStyle/>
+                    <a:p>
+                      <a:pPr>
+                        <a:buNone/>
+                      </a:pPr>
+                      <a:r>
+                        <a:rPr lang="en-US" sz="1400"/>
+                        <a:t>🧩 </a:t>
+                      </a:r>
+                      <a:r>
+                        <a:rPr lang="en-US" sz="1400" b="1"/>
+                        <a:t>Development (İnkişaf)</a:t>
+                      </a:r>
+                      <a:endParaRPr lang="en-US" sz="1400"/>
+                    </a:p>
+                  </a:txBody>
+                  <a:tcPr marL="82101" marR="82101" marT="41050" marB="41050" anchor="ctr">
+                    <a:lnL w="12700" cap="flat" cmpd="sng" algn="ctr">
+                      <a:solidFill>
+                        <a:schemeClr val="tx1"/>
+                      </a:solidFill>
+                      <a:prstDash val="solid"/>
+                      <a:round/>
+                      <a:headEnd type="none" w="med" len="med"/>
+                      <a:tailEnd type="none" w="med" len="med"/>
+                    </a:lnL>
+                    <a:lnR w="12700" cap="flat" cmpd="sng" algn="ctr">
+                      <a:solidFill>
+                        <a:schemeClr val="tx1"/>
+                      </a:solidFill>
+                      <a:prstDash val="solid"/>
+                      <a:round/>
+                      <a:headEnd type="none" w="med" len="med"/>
+                      <a:tailEnd type="none" w="med" len="med"/>
+                    </a:lnR>
+                    <a:lnT w="12700" cap="flat" cmpd="sng" algn="ctr">
+                      <a:solidFill>
+                        <a:schemeClr val="tx1"/>
+                      </a:solidFill>
+                      <a:prstDash val="solid"/>
+                      <a:round/>
+                      <a:headEnd type="none" w="med" len="med"/>
+                      <a:tailEnd type="none" w="med" len="med"/>
+                    </a:lnT>
+                    <a:lnB w="12700" cap="flat" cmpd="sng" algn="ctr">
+                      <a:solidFill>
+                        <a:schemeClr val="tx1"/>
+                      </a:solidFill>
+                      <a:prstDash val="solid"/>
+                      <a:round/>
+                      <a:headEnd type="none" w="med" len="med"/>
+                      <a:tailEnd type="none" w="med" len="med"/>
+                    </a:lnB>
+                    <a:noFill/>
+                  </a:tcPr>
+                </a:tc>
+                <a:tc>
+                  <a:txBody>
+                    <a:bodyPr/>
+                    <a:lstStyle/>
+                    <a:p>
+                      <a:pPr>
+                        <a:buNone/>
+                      </a:pPr>
+                      <a:r>
+                        <a:rPr lang="en-US" sz="1400"/>
+                        <a:t>Kod yazan komandaya uyğun mühit hazırlayır (local, staging, production).</a:t>
+                      </a:r>
+                    </a:p>
+                  </a:txBody>
+                  <a:tcPr marL="82101" marR="82101" marT="41050" marB="41050" anchor="ctr">
+                    <a:lnL w="12700" cap="flat" cmpd="sng" algn="ctr">
+                      <a:solidFill>
+                        <a:schemeClr val="tx1"/>
+                      </a:solidFill>
+                      <a:prstDash val="solid"/>
+                      <a:round/>
+                      <a:headEnd type="none" w="med" len="med"/>
+                      <a:tailEnd type="none" w="med" len="med"/>
+                    </a:lnL>
+                    <a:lnR w="12700" cap="flat" cmpd="sng" algn="ctr">
+                      <a:solidFill>
+                        <a:schemeClr val="tx1"/>
+                      </a:solidFill>
+                      <a:prstDash val="solid"/>
+                      <a:round/>
+                      <a:headEnd type="none" w="med" len="med"/>
+                      <a:tailEnd type="none" w="med" len="med"/>
+                    </a:lnR>
+                    <a:lnT w="12700" cap="flat" cmpd="sng" algn="ctr">
+                      <a:solidFill>
+                        <a:schemeClr val="tx1"/>
+                      </a:solidFill>
+                      <a:prstDash val="solid"/>
+                      <a:round/>
+                      <a:headEnd type="none" w="med" len="med"/>
+                      <a:tailEnd type="none" w="med" len="med"/>
+                    </a:lnT>
+                    <a:lnB w="12700" cap="flat" cmpd="sng" algn="ctr">
+                      <a:solidFill>
+                        <a:schemeClr val="tx1"/>
+                      </a:solidFill>
+                      <a:prstDash val="solid"/>
+                      <a:round/>
+                      <a:headEnd type="none" w="med" len="med"/>
+                      <a:tailEnd type="none" w="med" len="med"/>
+                    </a:lnB>
+                    <a:noFill/>
+                  </a:tcPr>
+                </a:tc>
+                <a:extLst>
+                  <a:ext uri="{0D108BD9-81ED-4DB2-BD59-A6C34878D82A}">
+                    <a16:rowId xmlns:a16="http://schemas.microsoft.com/office/drawing/2014/main" val="224011234"/>
+                  </a:ext>
+                </a:extLst>
+              </a:tr>
+              <a:tr h="574705">
+                <a:tc>
+                  <a:txBody>
+                    <a:bodyPr/>
+                    <a:lstStyle/>
+                    <a:p>
+                      <a:pPr>
+                        <a:buNone/>
+                      </a:pPr>
+                      <a:r>
+                        <a:rPr lang="en-US" sz="1400"/>
+                        <a:t>🏗️ </a:t>
+                      </a:r>
+                      <a:r>
+                        <a:rPr lang="en-US" sz="1400" b="1"/>
+                        <a:t>Build &amp; Integration</a:t>
+                      </a:r>
+                      <a:endParaRPr lang="en-US" sz="1400"/>
+                    </a:p>
+                  </a:txBody>
+                  <a:tcPr marL="82101" marR="82101" marT="41050" marB="41050" anchor="ctr">
+                    <a:lnL w="12700" cap="flat" cmpd="sng" algn="ctr">
+                      <a:solidFill>
+                        <a:schemeClr val="tx1"/>
+                      </a:solidFill>
+                      <a:prstDash val="solid"/>
+                      <a:round/>
+                      <a:headEnd type="none" w="med" len="med"/>
+                      <a:tailEnd type="none" w="med" len="med"/>
+                    </a:lnL>
+                    <a:lnR w="12700" cap="flat" cmpd="sng" algn="ctr">
+                      <a:solidFill>
+                        <a:schemeClr val="tx1"/>
+                      </a:solidFill>
+                      <a:prstDash val="solid"/>
+                      <a:round/>
+                      <a:headEnd type="none" w="med" len="med"/>
+                      <a:tailEnd type="none" w="med" len="med"/>
+                    </a:lnR>
+                    <a:lnT w="12700" cap="flat" cmpd="sng" algn="ctr">
+                      <a:solidFill>
+                        <a:schemeClr val="tx1"/>
+                      </a:solidFill>
+                      <a:prstDash val="solid"/>
+                      <a:round/>
+                      <a:headEnd type="none" w="med" len="med"/>
+                      <a:tailEnd type="none" w="med" len="med"/>
+                    </a:lnT>
+                    <a:lnB w="12700" cap="flat" cmpd="sng" algn="ctr">
+                      <a:solidFill>
+                        <a:schemeClr val="tx1"/>
+                      </a:solidFill>
+                      <a:prstDash val="solid"/>
+                      <a:round/>
+                      <a:headEnd type="none" w="med" len="med"/>
+                      <a:tailEnd type="none" w="med" len="med"/>
+                    </a:lnB>
+                    <a:noFill/>
+                  </a:tcPr>
+                </a:tc>
+                <a:tc>
+                  <a:txBody>
+                    <a:bodyPr/>
+                    <a:lstStyle/>
+                    <a:p>
+                      <a:pPr>
+                        <a:buNone/>
+                      </a:pPr>
+                      <a:r>
+                        <a:rPr lang="en-US" sz="1400"/>
+                        <a:t>Kod dəyişiklərini avtomatik test və build edən sistemlər (CI/CD) qurur.</a:t>
+                      </a:r>
+                    </a:p>
+                  </a:txBody>
+                  <a:tcPr marL="82101" marR="82101" marT="41050" marB="41050" anchor="ctr">
+                    <a:lnL w="12700" cap="flat" cmpd="sng" algn="ctr">
+                      <a:solidFill>
+                        <a:schemeClr val="tx1"/>
+                      </a:solidFill>
+                      <a:prstDash val="solid"/>
+                      <a:round/>
+                      <a:headEnd type="none" w="med" len="med"/>
+                      <a:tailEnd type="none" w="med" len="med"/>
+                    </a:lnL>
+                    <a:lnR w="12700" cap="flat" cmpd="sng" algn="ctr">
+                      <a:solidFill>
+                        <a:schemeClr val="tx1"/>
+                      </a:solidFill>
+                      <a:prstDash val="solid"/>
+                      <a:round/>
+                      <a:headEnd type="none" w="med" len="med"/>
+                      <a:tailEnd type="none" w="med" len="med"/>
+                    </a:lnR>
+                    <a:lnT w="12700" cap="flat" cmpd="sng" algn="ctr">
+                      <a:solidFill>
+                        <a:schemeClr val="tx1"/>
+                      </a:solidFill>
+                      <a:prstDash val="solid"/>
+                      <a:round/>
+                      <a:headEnd type="none" w="med" len="med"/>
+                      <a:tailEnd type="none" w="med" len="med"/>
+                    </a:lnT>
+                    <a:lnB w="12700" cap="flat" cmpd="sng" algn="ctr">
+                      <a:solidFill>
+                        <a:schemeClr val="tx1"/>
+                      </a:solidFill>
+                      <a:prstDash val="solid"/>
+                      <a:round/>
+                      <a:headEnd type="none" w="med" len="med"/>
+                      <a:tailEnd type="none" w="med" len="med"/>
+                    </a:lnB>
+                    <a:noFill/>
+                  </a:tcPr>
+                </a:tc>
+                <a:extLst>
+                  <a:ext uri="{0D108BD9-81ED-4DB2-BD59-A6C34878D82A}">
+                    <a16:rowId xmlns:a16="http://schemas.microsoft.com/office/drawing/2014/main" val="984236192"/>
+                  </a:ext>
+                </a:extLst>
+              </a:tr>
+              <a:tr h="574705">
+                <a:tc>
+                  <a:txBody>
+                    <a:bodyPr/>
+                    <a:lstStyle/>
+                    <a:p>
+                      <a:pPr>
+                        <a:buNone/>
+                      </a:pPr>
+                      <a:r>
+                        <a:rPr lang="en-US" sz="1400"/>
+                        <a:t>🚀 </a:t>
+                      </a:r>
+                      <a:r>
+                        <a:rPr lang="en-US" sz="1400" b="1"/>
+                        <a:t>Deployment (Yayım)</a:t>
+                      </a:r>
+                      <a:endParaRPr lang="en-US" sz="1400"/>
+                    </a:p>
+                  </a:txBody>
+                  <a:tcPr marL="82101" marR="82101" marT="41050" marB="41050" anchor="ctr">
+                    <a:lnL w="12700" cap="flat" cmpd="sng" algn="ctr">
+                      <a:solidFill>
+                        <a:schemeClr val="tx1"/>
+                      </a:solidFill>
+                      <a:prstDash val="solid"/>
+                      <a:round/>
+                      <a:headEnd type="none" w="med" len="med"/>
+                      <a:tailEnd type="none" w="med" len="med"/>
+                    </a:lnL>
+                    <a:lnR w="12700" cap="flat" cmpd="sng" algn="ctr">
+                      <a:solidFill>
+                        <a:schemeClr val="tx1"/>
+                      </a:solidFill>
+                      <a:prstDash val="solid"/>
+                      <a:round/>
+                      <a:headEnd type="none" w="med" len="med"/>
+                      <a:tailEnd type="none" w="med" len="med"/>
+                    </a:lnR>
+                    <a:lnT w="12700" cap="flat" cmpd="sng" algn="ctr">
+                      <a:solidFill>
+                        <a:schemeClr val="tx1"/>
+                      </a:solidFill>
+                      <a:prstDash val="solid"/>
+                      <a:round/>
+                      <a:headEnd type="none" w="med" len="med"/>
+                      <a:tailEnd type="none" w="med" len="med"/>
+                    </a:lnT>
+                    <a:lnB w="12700" cap="flat" cmpd="sng" algn="ctr">
+                      <a:solidFill>
+                        <a:schemeClr val="tx1"/>
+                      </a:solidFill>
+                      <a:prstDash val="solid"/>
+                      <a:round/>
+                      <a:headEnd type="none" w="med" len="med"/>
+                      <a:tailEnd type="none" w="med" len="med"/>
+                    </a:lnB>
+                    <a:noFill/>
+                  </a:tcPr>
+                </a:tc>
+                <a:tc>
+                  <a:txBody>
+                    <a:bodyPr/>
+                    <a:lstStyle/>
+                    <a:p>
+                      <a:pPr>
+                        <a:buNone/>
+                      </a:pPr>
+                      <a:r>
+                        <a:rPr lang="en-US" sz="1400"/>
+                        <a:t>Kodun avtomatik şəkildə serverə yerləşdirilməsini (deployment) təmin edir.</a:t>
+                      </a:r>
+                    </a:p>
+                  </a:txBody>
+                  <a:tcPr marL="82101" marR="82101" marT="41050" marB="41050" anchor="ctr">
+                    <a:lnL w="12700" cap="flat" cmpd="sng" algn="ctr">
+                      <a:solidFill>
+                        <a:schemeClr val="tx1"/>
+                      </a:solidFill>
+                      <a:prstDash val="solid"/>
+                      <a:round/>
+                      <a:headEnd type="none" w="med" len="med"/>
+                      <a:tailEnd type="none" w="med" len="med"/>
+                    </a:lnL>
+                    <a:lnR w="12700" cap="flat" cmpd="sng" algn="ctr">
+                      <a:solidFill>
+                        <a:schemeClr val="tx1"/>
+                      </a:solidFill>
+                      <a:prstDash val="solid"/>
+                      <a:round/>
+                      <a:headEnd type="none" w="med" len="med"/>
+                      <a:tailEnd type="none" w="med" len="med"/>
+                    </a:lnR>
+                    <a:lnT w="12700" cap="flat" cmpd="sng" algn="ctr">
+                      <a:solidFill>
+                        <a:schemeClr val="tx1"/>
+                      </a:solidFill>
+                      <a:prstDash val="solid"/>
+                      <a:round/>
+                      <a:headEnd type="none" w="med" len="med"/>
+                      <a:tailEnd type="none" w="med" len="med"/>
+                    </a:lnT>
+                    <a:lnB w="12700" cap="flat" cmpd="sng" algn="ctr">
+                      <a:solidFill>
+                        <a:schemeClr val="tx1"/>
+                      </a:solidFill>
+                      <a:prstDash val="solid"/>
+                      <a:round/>
+                      <a:headEnd type="none" w="med" len="med"/>
+                      <a:tailEnd type="none" w="med" len="med"/>
+                    </a:lnB>
+                    <a:noFill/>
+                  </a:tcPr>
+                </a:tc>
+                <a:extLst>
+                  <a:ext uri="{0D108BD9-81ED-4DB2-BD59-A6C34878D82A}">
+                    <a16:rowId xmlns:a16="http://schemas.microsoft.com/office/drawing/2014/main" val="1422163492"/>
+                  </a:ext>
+                </a:extLst>
+              </a:tr>
+              <a:tr h="574705">
+                <a:tc>
+                  <a:txBody>
+                    <a:bodyPr/>
+                    <a:lstStyle/>
+                    <a:p>
+                      <a:pPr>
+                        <a:buNone/>
+                      </a:pPr>
+                      <a:r>
+                        <a:rPr lang="en-US" sz="1400"/>
+                        <a:t>🧱 </a:t>
+                      </a:r>
+                      <a:r>
+                        <a:rPr lang="en-US" sz="1400" b="1"/>
+                        <a:t>Infrastructure Management</a:t>
+                      </a:r>
+                      <a:endParaRPr lang="en-US" sz="1400"/>
+                    </a:p>
+                  </a:txBody>
+                  <a:tcPr marL="82101" marR="82101" marT="41050" marB="41050" anchor="ctr">
+                    <a:lnL w="12700" cap="flat" cmpd="sng" algn="ctr">
+                      <a:solidFill>
+                        <a:schemeClr val="tx1"/>
+                      </a:solidFill>
+                      <a:prstDash val="solid"/>
+                      <a:round/>
+                      <a:headEnd type="none" w="med" len="med"/>
+                      <a:tailEnd type="none" w="med" len="med"/>
+                    </a:lnL>
+                    <a:lnR w="12700" cap="flat" cmpd="sng" algn="ctr">
+                      <a:solidFill>
+                        <a:schemeClr val="tx1"/>
+                      </a:solidFill>
+                      <a:prstDash val="solid"/>
+                      <a:round/>
+                      <a:headEnd type="none" w="med" len="med"/>
+                      <a:tailEnd type="none" w="med" len="med"/>
+                    </a:lnR>
+                    <a:lnT w="12700" cap="flat" cmpd="sng" algn="ctr">
+                      <a:solidFill>
+                        <a:schemeClr val="tx1"/>
+                      </a:solidFill>
+                      <a:prstDash val="solid"/>
+                      <a:round/>
+                      <a:headEnd type="none" w="med" len="med"/>
+                      <a:tailEnd type="none" w="med" len="med"/>
+                    </a:lnT>
+                    <a:lnB w="12700" cap="flat" cmpd="sng" algn="ctr">
+                      <a:solidFill>
+                        <a:schemeClr val="tx1"/>
+                      </a:solidFill>
+                      <a:prstDash val="solid"/>
+                      <a:round/>
+                      <a:headEnd type="none" w="med" len="med"/>
+                      <a:tailEnd type="none" w="med" len="med"/>
+                    </a:lnB>
+                    <a:noFill/>
+                  </a:tcPr>
+                </a:tc>
+                <a:tc>
+                  <a:txBody>
+                    <a:bodyPr/>
+                    <a:lstStyle/>
+                    <a:p>
+                      <a:pPr>
+                        <a:buNone/>
+                      </a:pPr>
+                      <a:r>
+                        <a:rPr lang="en-US" sz="1400"/>
+                        <a:t>Serverləri (AWS, Azure, DigitalOcean, Google Cloud və s.) idarə edir.</a:t>
+                      </a:r>
+                    </a:p>
+                  </a:txBody>
+                  <a:tcPr marL="82101" marR="82101" marT="41050" marB="41050" anchor="ctr">
+                    <a:lnL w="12700" cap="flat" cmpd="sng" algn="ctr">
+                      <a:solidFill>
+                        <a:schemeClr val="tx1"/>
+                      </a:solidFill>
+                      <a:prstDash val="solid"/>
+                      <a:round/>
+                      <a:headEnd type="none" w="med" len="med"/>
+                      <a:tailEnd type="none" w="med" len="med"/>
+                    </a:lnL>
+                    <a:lnR w="12700" cap="flat" cmpd="sng" algn="ctr">
+                      <a:solidFill>
+                        <a:schemeClr val="tx1"/>
+                      </a:solidFill>
+                      <a:prstDash val="solid"/>
+                      <a:round/>
+                      <a:headEnd type="none" w="med" len="med"/>
+                      <a:tailEnd type="none" w="med" len="med"/>
+                    </a:lnR>
+                    <a:lnT w="12700" cap="flat" cmpd="sng" algn="ctr">
+                      <a:solidFill>
+                        <a:schemeClr val="tx1"/>
+                      </a:solidFill>
+                      <a:prstDash val="solid"/>
+                      <a:round/>
+                      <a:headEnd type="none" w="med" len="med"/>
+                      <a:tailEnd type="none" w="med" len="med"/>
+                    </a:lnT>
+                    <a:lnB w="12700" cap="flat" cmpd="sng" algn="ctr">
+                      <a:solidFill>
+                        <a:schemeClr val="tx1"/>
+                      </a:solidFill>
+                      <a:prstDash val="solid"/>
+                      <a:round/>
+                      <a:headEnd type="none" w="med" len="med"/>
+                      <a:tailEnd type="none" w="med" len="med"/>
+                    </a:lnB>
+                    <a:noFill/>
+                  </a:tcPr>
+                </a:tc>
+                <a:extLst>
+                  <a:ext uri="{0D108BD9-81ED-4DB2-BD59-A6C34878D82A}">
+                    <a16:rowId xmlns:a16="http://schemas.microsoft.com/office/drawing/2014/main" val="1533899254"/>
+                  </a:ext>
+                </a:extLst>
+              </a:tr>
+              <a:tr h="574705">
+                <a:tc>
+                  <a:txBody>
+                    <a:bodyPr/>
+                    <a:lstStyle/>
+                    <a:p>
+                      <a:pPr>
+                        <a:buNone/>
+                      </a:pPr>
+                      <a:r>
+                        <a:rPr lang="en-US" sz="1400"/>
+                        <a:t>🔒 </a:t>
+                      </a:r>
+                      <a:r>
+                        <a:rPr lang="en-US" sz="1400" b="1"/>
+                        <a:t>Security (Təhlükəsizlik)</a:t>
+                      </a:r>
+                      <a:endParaRPr lang="en-US" sz="1400"/>
+                    </a:p>
+                  </a:txBody>
+                  <a:tcPr marL="82101" marR="82101" marT="41050" marB="41050" anchor="ctr">
+                    <a:lnL w="12700" cap="flat" cmpd="sng" algn="ctr">
+                      <a:solidFill>
+                        <a:schemeClr val="tx1"/>
+                      </a:solidFill>
+                      <a:prstDash val="solid"/>
+                      <a:round/>
+                      <a:headEnd type="none" w="med" len="med"/>
+                      <a:tailEnd type="none" w="med" len="med"/>
+                    </a:lnL>
+                    <a:lnR w="12700" cap="flat" cmpd="sng" algn="ctr">
+                      <a:solidFill>
+                        <a:schemeClr val="tx1"/>
+                      </a:solidFill>
+                      <a:prstDash val="solid"/>
+                      <a:round/>
+                      <a:headEnd type="none" w="med" len="med"/>
+                      <a:tailEnd type="none" w="med" len="med"/>
+                    </a:lnR>
+                    <a:lnT w="12700" cap="flat" cmpd="sng" algn="ctr">
+                      <a:solidFill>
+                        <a:schemeClr val="tx1"/>
+                      </a:solidFill>
+                      <a:prstDash val="solid"/>
+                      <a:round/>
+                      <a:headEnd type="none" w="med" len="med"/>
+                      <a:tailEnd type="none" w="med" len="med"/>
+                    </a:lnT>
+                    <a:lnB w="12700" cap="flat" cmpd="sng" algn="ctr">
+                      <a:solidFill>
+                        <a:schemeClr val="tx1"/>
+                      </a:solidFill>
+                      <a:prstDash val="solid"/>
+                      <a:round/>
+                      <a:headEnd type="none" w="med" len="med"/>
+                      <a:tailEnd type="none" w="med" len="med"/>
+                    </a:lnB>
+                    <a:noFill/>
+                  </a:tcPr>
+                </a:tc>
+                <a:tc>
+                  <a:txBody>
+                    <a:bodyPr/>
+                    <a:lstStyle/>
+                    <a:p>
+                      <a:pPr>
+                        <a:buNone/>
+                      </a:pPr>
+                      <a:r>
+                        <a:rPr lang="en-US" sz="1400"/>
+                        <a:t>Firewall, SSL, IAM (Identity Access Management), şifrələmə və s. təmin edir.</a:t>
+                      </a:r>
+                    </a:p>
+                  </a:txBody>
+                  <a:tcPr marL="82101" marR="82101" marT="41050" marB="41050" anchor="ctr">
+                    <a:lnL w="12700" cap="flat" cmpd="sng" algn="ctr">
+                      <a:solidFill>
+                        <a:schemeClr val="tx1"/>
+                      </a:solidFill>
+                      <a:prstDash val="solid"/>
+                      <a:round/>
+                      <a:headEnd type="none" w="med" len="med"/>
+                      <a:tailEnd type="none" w="med" len="med"/>
+                    </a:lnL>
+                    <a:lnR w="12700" cap="flat" cmpd="sng" algn="ctr">
+                      <a:solidFill>
+                        <a:schemeClr val="tx1"/>
+                      </a:solidFill>
+                      <a:prstDash val="solid"/>
+                      <a:round/>
+                      <a:headEnd type="none" w="med" len="med"/>
+                      <a:tailEnd type="none" w="med" len="med"/>
+                    </a:lnR>
+                    <a:lnT w="12700" cap="flat" cmpd="sng" algn="ctr">
+                      <a:solidFill>
+                        <a:schemeClr val="tx1"/>
+                      </a:solidFill>
+                      <a:prstDash val="solid"/>
+                      <a:round/>
+                      <a:headEnd type="none" w="med" len="med"/>
+                      <a:tailEnd type="none" w="med" len="med"/>
+                    </a:lnT>
+                    <a:lnB w="12700" cap="flat" cmpd="sng" algn="ctr">
+                      <a:solidFill>
+                        <a:schemeClr val="tx1"/>
+                      </a:solidFill>
+                      <a:prstDash val="solid"/>
+                      <a:round/>
+                      <a:headEnd type="none" w="med" len="med"/>
+                      <a:tailEnd type="none" w="med" len="med"/>
+                    </a:lnB>
+                    <a:noFill/>
+                  </a:tcPr>
+                </a:tc>
+                <a:extLst>
+                  <a:ext uri="{0D108BD9-81ED-4DB2-BD59-A6C34878D82A}">
+                    <a16:rowId xmlns:a16="http://schemas.microsoft.com/office/drawing/2014/main" val="152522190"/>
+                  </a:ext>
+                </a:extLst>
+              </a:tr>
+              <a:tr h="574705">
+                <a:tc>
+                  <a:txBody>
+                    <a:bodyPr/>
+                    <a:lstStyle/>
+                    <a:p>
+                      <a:pPr>
+                        <a:buNone/>
+                      </a:pPr>
+                      <a:r>
+                        <a:rPr lang="en-US" sz="1400"/>
+                        <a:t>📊 </a:t>
+                      </a:r>
+                      <a:r>
+                        <a:rPr lang="en-US" sz="1400" b="1"/>
+                        <a:t>Monitoring &amp; Logging</a:t>
+                      </a:r>
+                      <a:endParaRPr lang="en-US" sz="1400"/>
+                    </a:p>
+                  </a:txBody>
+                  <a:tcPr marL="82101" marR="82101" marT="41050" marB="41050" anchor="ctr">
+                    <a:lnL w="12700" cap="flat" cmpd="sng" algn="ctr">
+                      <a:solidFill>
+                        <a:schemeClr val="tx1"/>
+                      </a:solidFill>
+                      <a:prstDash val="solid"/>
+                      <a:round/>
+                      <a:headEnd type="none" w="med" len="med"/>
+                      <a:tailEnd type="none" w="med" len="med"/>
+                    </a:lnL>
+                    <a:lnR w="12700" cap="flat" cmpd="sng" algn="ctr">
+                      <a:solidFill>
+                        <a:schemeClr val="tx1"/>
+                      </a:solidFill>
+                      <a:prstDash val="solid"/>
+                      <a:round/>
+                      <a:headEnd type="none" w="med" len="med"/>
+                      <a:tailEnd type="none" w="med" len="med"/>
+                    </a:lnR>
+                    <a:lnT w="12700" cap="flat" cmpd="sng" algn="ctr">
+                      <a:solidFill>
+                        <a:schemeClr val="tx1"/>
+                      </a:solidFill>
+                      <a:prstDash val="solid"/>
+                      <a:round/>
+                      <a:headEnd type="none" w="med" len="med"/>
+                      <a:tailEnd type="none" w="med" len="med"/>
+                    </a:lnT>
+                    <a:lnB w="12700" cap="flat" cmpd="sng" algn="ctr">
+                      <a:solidFill>
+                        <a:schemeClr val="tx1"/>
+                      </a:solidFill>
+                      <a:prstDash val="solid"/>
+                      <a:round/>
+                      <a:headEnd type="none" w="med" len="med"/>
+                      <a:tailEnd type="none" w="med" len="med"/>
+                    </a:lnB>
+                    <a:noFill/>
+                  </a:tcPr>
+                </a:tc>
+                <a:tc>
+                  <a:txBody>
+                    <a:bodyPr/>
+                    <a:lstStyle/>
+                    <a:p>
+                      <a:pPr>
+                        <a:buNone/>
+                      </a:pPr>
+                      <a:r>
+                        <a:rPr lang="en-US" sz="1400"/>
+                        <a:t>Sistemin sağlamlığını izləyir, xətaları və performansı analiz edir (Prometheus, Grafana, ELK və s.).</a:t>
+                      </a:r>
+                    </a:p>
+                  </a:txBody>
+                  <a:tcPr marL="82101" marR="82101" marT="41050" marB="41050" anchor="ctr">
+                    <a:lnL w="12700" cap="flat" cmpd="sng" algn="ctr">
+                      <a:solidFill>
+                        <a:schemeClr val="tx1"/>
+                      </a:solidFill>
+                      <a:prstDash val="solid"/>
+                      <a:round/>
+                      <a:headEnd type="none" w="med" len="med"/>
+                      <a:tailEnd type="none" w="med" len="med"/>
+                    </a:lnL>
+                    <a:lnR w="12700" cap="flat" cmpd="sng" algn="ctr">
+                      <a:solidFill>
+                        <a:schemeClr val="tx1"/>
+                      </a:solidFill>
+                      <a:prstDash val="solid"/>
+                      <a:round/>
+                      <a:headEnd type="none" w="med" len="med"/>
+                      <a:tailEnd type="none" w="med" len="med"/>
+                    </a:lnR>
+                    <a:lnT w="12700" cap="flat" cmpd="sng" algn="ctr">
+                      <a:solidFill>
+                        <a:schemeClr val="tx1"/>
+                      </a:solidFill>
+                      <a:prstDash val="solid"/>
+                      <a:round/>
+                      <a:headEnd type="none" w="med" len="med"/>
+                      <a:tailEnd type="none" w="med" len="med"/>
+                    </a:lnT>
+                    <a:lnB w="12700" cap="flat" cmpd="sng" algn="ctr">
+                      <a:solidFill>
+                        <a:schemeClr val="tx1"/>
+                      </a:solidFill>
+                      <a:prstDash val="solid"/>
+                      <a:round/>
+                      <a:headEnd type="none" w="med" len="med"/>
+                      <a:tailEnd type="none" w="med" len="med"/>
+                    </a:lnB>
+                    <a:noFill/>
+                  </a:tcPr>
+                </a:tc>
+                <a:extLst>
+                  <a:ext uri="{0D108BD9-81ED-4DB2-BD59-A6C34878D82A}">
+                    <a16:rowId xmlns:a16="http://schemas.microsoft.com/office/drawing/2014/main" val="3874694610"/>
+                  </a:ext>
+                </a:extLst>
+              </a:tr>
+              <a:tr h="574705">
+                <a:tc>
+                  <a:txBody>
+                    <a:bodyPr/>
+                    <a:lstStyle/>
+                    <a:p>
+                      <a:pPr>
+                        <a:buNone/>
+                      </a:pPr>
+                      <a:r>
+                        <a:rPr lang="en-US" sz="1400"/>
+                        <a:t>🧰 </a:t>
+                      </a:r>
+                      <a:r>
+                        <a:rPr lang="en-US" sz="1400" b="1"/>
+                        <a:t>Automation (Avtomatlaşdırma)</a:t>
+                      </a:r>
+                      <a:endParaRPr lang="en-US" sz="1400"/>
+                    </a:p>
+                  </a:txBody>
+                  <a:tcPr marL="82101" marR="82101" marT="41050" marB="41050" anchor="ctr">
+                    <a:lnL w="12700" cap="flat" cmpd="sng" algn="ctr">
+                      <a:solidFill>
+                        <a:schemeClr val="tx1"/>
+                      </a:solidFill>
+                      <a:prstDash val="solid"/>
+                      <a:round/>
+                      <a:headEnd type="none" w="med" len="med"/>
+                      <a:tailEnd type="none" w="med" len="med"/>
+                    </a:lnL>
+                    <a:lnR w="12700" cap="flat" cmpd="sng" algn="ctr">
+                      <a:solidFill>
+                        <a:schemeClr val="tx1"/>
+                      </a:solidFill>
+                      <a:prstDash val="solid"/>
+                      <a:round/>
+                      <a:headEnd type="none" w="med" len="med"/>
+                      <a:tailEnd type="none" w="med" len="med"/>
+                    </a:lnR>
+                    <a:lnT w="12700" cap="flat" cmpd="sng" algn="ctr">
+                      <a:solidFill>
+                        <a:schemeClr val="tx1"/>
+                      </a:solidFill>
+                      <a:prstDash val="solid"/>
+                      <a:round/>
+                      <a:headEnd type="none" w="med" len="med"/>
+                      <a:tailEnd type="none" w="med" len="med"/>
+                    </a:lnT>
+                    <a:lnB w="12700" cap="flat" cmpd="sng" algn="ctr">
+                      <a:solidFill>
+                        <a:schemeClr val="tx1"/>
+                      </a:solidFill>
+                      <a:prstDash val="solid"/>
+                      <a:round/>
+                      <a:headEnd type="none" w="med" len="med"/>
+                      <a:tailEnd type="none" w="med" len="med"/>
+                    </a:lnB>
+                    <a:noFill/>
+                  </a:tcPr>
+                </a:tc>
+                <a:tc>
+                  <a:txBody>
+                    <a:bodyPr/>
+                    <a:lstStyle/>
+                    <a:p>
+                      <a:pPr>
+                        <a:buNone/>
+                      </a:pPr>
+                      <a:r>
+                        <a:rPr lang="en-US" sz="1400"/>
+                        <a:t>Əllə görülən bütün əməliyyatları avtomatlaşdırır (bash scripts, Ansible, Terraform, Jenkins və s.).</a:t>
+                      </a:r>
+                    </a:p>
+                  </a:txBody>
+                  <a:tcPr marL="82101" marR="82101" marT="41050" marB="41050" anchor="ctr">
+                    <a:lnL w="12700" cap="flat" cmpd="sng" algn="ctr">
+                      <a:solidFill>
+                        <a:schemeClr val="tx1"/>
+                      </a:solidFill>
+                      <a:prstDash val="solid"/>
+                      <a:round/>
+                      <a:headEnd type="none" w="med" len="med"/>
+                      <a:tailEnd type="none" w="med" len="med"/>
+                    </a:lnL>
+                    <a:lnR w="12700" cap="flat" cmpd="sng" algn="ctr">
+                      <a:solidFill>
+                        <a:schemeClr val="tx1"/>
+                      </a:solidFill>
+                      <a:prstDash val="solid"/>
+                      <a:round/>
+                      <a:headEnd type="none" w="med" len="med"/>
+                      <a:tailEnd type="none" w="med" len="med"/>
+                    </a:lnR>
+                    <a:lnT w="12700" cap="flat" cmpd="sng" algn="ctr">
+                      <a:solidFill>
+                        <a:schemeClr val="tx1"/>
+                      </a:solidFill>
+                      <a:prstDash val="solid"/>
+                      <a:round/>
+                      <a:headEnd type="none" w="med" len="med"/>
+                      <a:tailEnd type="none" w="med" len="med"/>
+                    </a:lnT>
+                    <a:lnB w="12700" cap="flat" cmpd="sng" algn="ctr">
+                      <a:solidFill>
+                        <a:schemeClr val="tx1"/>
+                      </a:solidFill>
+                      <a:prstDash val="solid"/>
+                      <a:round/>
+                      <a:headEnd type="none" w="med" len="med"/>
+                      <a:tailEnd type="none" w="med" len="med"/>
+                    </a:lnB>
+                    <a:noFill/>
+                  </a:tcPr>
+                </a:tc>
+                <a:extLst>
+                  <a:ext uri="{0D108BD9-81ED-4DB2-BD59-A6C34878D82A}">
+                    <a16:rowId xmlns:a16="http://schemas.microsoft.com/office/drawing/2014/main" val="1810160430"/>
+                  </a:ext>
+                </a:extLst>
+              </a:tr>
+            </a:tbl>
+          </a:graphicData>
+        </a:graphic>
+      </p:graphicFrame>
+    </p:spTree>
+    <p:extLst>
+      <p:ext uri="{BB962C8B-B14F-4D97-AF65-F5344CB8AC3E}">
+        <p14:creationId xmlns:p14="http://schemas.microsoft.com/office/powerpoint/2010/main" val="3189939081"/>
+      </p:ext>
+    </p:extLst>
+  </p:cSld>
+  <p:clrMapOvr>
+    <a:masterClrMapping/>
+  </p:clrMapOvr>
+</p:sld>
+</file>
+
+<file path=ppt/slides/slide3.xml><?xml version="1.0" encoding="utf-8"?>
+<p:sld xmlns:a="http://schemas.openxmlformats.org/drawingml/2006/main" xmlns:r="http://schemas.openxmlformats.org/officeDocument/2006/relationships" xmlns:p="http://schemas.openxmlformats.org/presentationml/2006/main">
+  <p:cSld>
+    <p:spTree>
+      <p:nvGrpSpPr>
+        <p:cNvPr id="1" name="">
+          <a:extLst>
+            <a:ext uri="{FF2B5EF4-FFF2-40B4-BE49-F238E27FC236}">
+              <a16:creationId xmlns:a16="http://schemas.microsoft.com/office/drawing/2014/main" id="{9CD3464C-1C8F-92E0-B8C0-59A279D22069}"/>
+            </a:ext>
+          </a:extLst>
+        </p:cNvPr>
+        <p:cNvGrpSpPr/>
+        <p:nvPr/>
+      </p:nvGrpSpPr>
+      <p:grpSpPr>
+        <a:xfrm>
+          <a:off x="0" y="0"/>
+          <a:ext cx="0" cy="0"/>
+          <a:chOff x="0" y="0"/>
+          <a:chExt cx="0" cy="0"/>
+        </a:xfrm>
+      </p:grpSpPr>
+      <p:sp>
+        <p:nvSpPr>
+          <p:cNvPr id="7" name="TextBox 6">
+            <a:extLst>
+              <a:ext uri="{FF2B5EF4-FFF2-40B4-BE49-F238E27FC236}">
+                <a16:creationId xmlns:a16="http://schemas.microsoft.com/office/drawing/2014/main" id="{FD26EC21-B6D1-8ED5-F210-C183D02C86D4}"/>
+              </a:ext>
+            </a:extLst>
+          </p:cNvPr>
+          <p:cNvSpPr txBox="1"/>
+          <p:nvPr/>
+        </p:nvSpPr>
+        <p:spPr>
+          <a:xfrm>
+            <a:off x="0" y="0"/>
+            <a:ext cx="12192000" cy="4616648"/>
+          </a:xfrm>
+          <a:prstGeom prst="rect">
+            <a:avLst/>
+          </a:prstGeom>
+          <a:noFill/>
+        </p:spPr>
+        <p:txBody>
+          <a:bodyPr wrap="square">
+            <a:spAutoFit/>
+          </a:bodyPr>
+          <a:lstStyle/>
+          <a:p>
+            <a:r>
+              <a:rPr lang="en-US" sz="1200"/>
+              <a:t>DevOps çox geniş bilik tələb edir. Ən çox işlədilən alətləri qruplaşdırım:</a:t>
+            </a:r>
+          </a:p>
+          <a:p>
+            <a:pPr marL="628650" lvl="1" indent="-171450">
+              <a:lnSpc>
+                <a:spcPct val="150000"/>
+              </a:lnSpc>
+              <a:buFont typeface="Wingdings" panose="05000000000000000000" pitchFamily="2" charset="2"/>
+              <a:buChar char="q"/>
+            </a:pPr>
+            <a:endParaRPr lang="en-US" sz="1200"/>
+          </a:p>
+          <a:p>
+            <a:pPr marL="628650" lvl="1" indent="-171450">
+              <a:lnSpc>
+                <a:spcPct val="150000"/>
+              </a:lnSpc>
+              <a:buFont typeface="Wingdings" panose="05000000000000000000" pitchFamily="2" charset="2"/>
+              <a:buChar char="q"/>
+            </a:pPr>
+            <a:endParaRPr lang="en-US" sz="1200"/>
+          </a:p>
+          <a:p>
+            <a:r>
+              <a:rPr lang="en-US" sz="1200" b="1"/>
+              <a:t>🧱 Infrastructure as Code (IaC)</a:t>
+            </a:r>
+          </a:p>
+          <a:p>
+            <a:pPr marL="628650" lvl="1" indent="-171450">
+              <a:lnSpc>
+                <a:spcPct val="150000"/>
+              </a:lnSpc>
+              <a:buFont typeface="Wingdings" panose="05000000000000000000" pitchFamily="2" charset="2"/>
+              <a:buChar char="q"/>
+            </a:pPr>
+            <a:r>
+              <a:rPr lang="en-US" sz="1200" b="1"/>
+              <a:t>Terraform</a:t>
+            </a:r>
+            <a:endParaRPr lang="en-US" sz="1200"/>
+          </a:p>
+          <a:p>
+            <a:pPr marL="628650" lvl="1" indent="-171450">
+              <a:lnSpc>
+                <a:spcPct val="150000"/>
+              </a:lnSpc>
+              <a:buFont typeface="Wingdings" panose="05000000000000000000" pitchFamily="2" charset="2"/>
+              <a:buChar char="q"/>
+            </a:pPr>
+            <a:r>
+              <a:rPr lang="en-US" sz="1200" b="1"/>
+              <a:t>Ansible</a:t>
+            </a:r>
+            <a:endParaRPr lang="en-US" sz="1200"/>
+          </a:p>
+          <a:p>
+            <a:pPr marL="628650" lvl="1" indent="-171450">
+              <a:lnSpc>
+                <a:spcPct val="150000"/>
+              </a:lnSpc>
+              <a:buFont typeface="Wingdings" panose="05000000000000000000" pitchFamily="2" charset="2"/>
+              <a:buChar char="q"/>
+            </a:pPr>
+            <a:r>
+              <a:rPr lang="en-US" sz="1200" b="1"/>
+              <a:t>CloudFormation</a:t>
+            </a:r>
+            <a:endParaRPr lang="en-US" sz="1200"/>
+          </a:p>
+          <a:p>
+            <a:r>
+              <a:rPr lang="en-US" sz="1200" b="1"/>
+              <a:t>☁️ Cloud Platformalar</a:t>
+            </a:r>
+          </a:p>
+          <a:p>
+            <a:r>
+              <a:rPr lang="en-US" sz="1200" b="1"/>
+              <a:t>AWS (Amazon Web Services)</a:t>
+            </a:r>
+            <a:endParaRPr lang="en-US" sz="1200"/>
+          </a:p>
+          <a:p>
+            <a:r>
+              <a:rPr lang="en-US" sz="1200" b="1"/>
+              <a:t>Azure</a:t>
+            </a:r>
+            <a:endParaRPr lang="en-US" sz="1200"/>
+          </a:p>
+          <a:p>
+            <a:r>
+              <a:rPr lang="en-US" sz="1200" b="1"/>
+              <a:t>Google Cloud Platform</a:t>
+            </a:r>
+            <a:endParaRPr lang="en-US" sz="1200"/>
+          </a:p>
+          <a:p>
+            <a:r>
+              <a:rPr lang="en-US" sz="1200" b="1"/>
+              <a:t>DigitalOcean</a:t>
+            </a:r>
+            <a:endParaRPr lang="en-US" sz="1200"/>
+          </a:p>
+          <a:p>
+            <a:r>
+              <a:rPr lang="en-US" sz="1200" b="1"/>
+              <a:t>🧠 Monitoring və Logging</a:t>
+            </a:r>
+          </a:p>
+          <a:p>
+            <a:r>
+              <a:rPr lang="en-US" sz="1200" b="1"/>
+              <a:t>Prometheus</a:t>
+            </a:r>
+            <a:endParaRPr lang="en-US" sz="1200"/>
+          </a:p>
+          <a:p>
+            <a:r>
+              <a:rPr lang="en-US" sz="1200" b="1"/>
+              <a:t>Grafana</a:t>
+            </a:r>
+            <a:endParaRPr lang="en-US" sz="1200"/>
+          </a:p>
+          <a:p>
+            <a:r>
+              <a:rPr lang="en-US" sz="1200" b="1"/>
+              <a:t>ELK Stack (Elasticsearch, Logstash, Kibana)</a:t>
+            </a:r>
+            <a:endParaRPr lang="en-US" sz="1200"/>
+          </a:p>
+          <a:p>
+            <a:r>
+              <a:rPr lang="en-US" sz="1200" b="1"/>
+              <a:t>Datadog</a:t>
+            </a:r>
+            <a:r>
+              <a:rPr lang="en-US" sz="1200"/>
+              <a:t>, </a:t>
+            </a:r>
+            <a:r>
+              <a:rPr lang="en-US" sz="1200" b="1"/>
+              <a:t>New Relic</a:t>
+            </a:r>
+            <a:endParaRPr lang="en-US" sz="1200"/>
+          </a:p>
+          <a:p>
+            <a:r>
+              <a:rPr lang="en-US" sz="1200" b="1"/>
+              <a:t>🔒 Security</a:t>
+            </a:r>
+          </a:p>
+          <a:p>
+            <a:r>
+              <a:rPr lang="en-US" sz="1200" b="1"/>
+              <a:t>UFW, firewalld</a:t>
+            </a:r>
+            <a:endParaRPr lang="en-US" sz="1200"/>
+          </a:p>
+          <a:p>
+            <a:r>
+              <a:rPr lang="en-US" sz="1200" b="1"/>
+              <a:t>SSL / TLS</a:t>
+            </a:r>
+            <a:endParaRPr lang="en-US" sz="1200"/>
+          </a:p>
+          <a:p>
+            <a:r>
+              <a:rPr lang="en-US" sz="1200" b="1"/>
+              <a:t>IAM (Identity &amp; Access Management)</a:t>
+            </a:r>
+            <a:endParaRPr lang="en-US" sz="1200"/>
+          </a:p>
+          <a:p>
+            <a:r>
+              <a:rPr lang="en-US" sz="1200" b="1"/>
+              <a:t>Secrets management (Vault, AWS Secrets Manager)</a:t>
+            </a:r>
+            <a:endParaRPr lang="en-US" sz="1200"/>
+          </a:p>
+        </p:txBody>
+      </p:sp>
+      <p:graphicFrame>
+        <p:nvGraphicFramePr>
+          <p:cNvPr id="2" name="Table 1">
+            <a:extLst>
+              <a:ext uri="{FF2B5EF4-FFF2-40B4-BE49-F238E27FC236}">
+                <a16:creationId xmlns:a16="http://schemas.microsoft.com/office/drawing/2014/main" id="{F3809DA8-03D3-B544-F6A7-0A5DB1080350}"/>
+              </a:ext>
+            </a:extLst>
+          </p:cNvPr>
+          <p:cNvGraphicFramePr>
+            <a:graphicFrameLocks noGrp="1"/>
+          </p:cNvGraphicFramePr>
+          <p:nvPr>
+            <p:extLst>
+              <p:ext uri="{D42A27DB-BD31-4B8C-83A1-F6EECF244321}">
+                <p14:modId xmlns:p14="http://schemas.microsoft.com/office/powerpoint/2010/main" val="455885784"/>
+              </p:ext>
+            </p:extLst>
+          </p:nvPr>
+        </p:nvGraphicFramePr>
+        <p:xfrm>
+          <a:off x="2974109" y="1948102"/>
+          <a:ext cx="8128000" cy="3845560"/>
+        </p:xfrm>
+        <a:graphic>
+          <a:graphicData uri="http://schemas.openxmlformats.org/drawingml/2006/table">
+            <a:tbl>
+              <a:tblPr firstRow="1" bandRow="1">
+                <a:tableStyleId>{5C22544A-7EE6-4342-B048-85BDC9FD1C3A}</a:tableStyleId>
+              </a:tblPr>
+              <a:tblGrid>
+                <a:gridCol w="4064000">
+                  <a:extLst>
+                    <a:ext uri="{9D8B030D-6E8A-4147-A177-3AD203B41FA5}">
+                      <a16:colId xmlns:a16="http://schemas.microsoft.com/office/drawing/2014/main" val="2352021874"/>
+                    </a:ext>
+                  </a:extLst>
+                </a:gridCol>
+                <a:gridCol w="4064000">
+                  <a:extLst>
+                    <a:ext uri="{9D8B030D-6E8A-4147-A177-3AD203B41FA5}">
+                      <a16:colId xmlns:a16="http://schemas.microsoft.com/office/drawing/2014/main" val="3586818965"/>
+                    </a:ext>
+                  </a:extLst>
+                </a:gridCol>
+              </a:tblGrid>
+              <a:tr h="370840">
+                <a:tc>
+                  <a:txBody>
+                    <a:bodyPr/>
+                    <a:lstStyle/>
+                    <a:p>
+                      <a:r>
+                        <a:rPr lang="en-US" sz="1200" b="1"/>
+                        <a:t>🖥️ Serverlər və Əməliyyat Sistemləri</a:t>
+                      </a:r>
+                    </a:p>
+                    <a:p>
+                      <a:pPr marL="628650" lvl="1" indent="-171450">
+                        <a:lnSpc>
+                          <a:spcPct val="150000"/>
+                        </a:lnSpc>
+                        <a:buFont typeface="Wingdings" panose="05000000000000000000" pitchFamily="2" charset="2"/>
+                        <a:buChar char="q"/>
+                      </a:pPr>
+                      <a:r>
+                        <a:rPr lang="en-US" sz="1200" b="1"/>
+                        <a:t>Linux</a:t>
+                      </a:r>
+                      <a:r>
+                        <a:rPr lang="en-US" sz="1200"/>
+                        <a:t> (Ubuntu, CentOS, Debian) — əsas mühit</a:t>
+                      </a:r>
+                    </a:p>
+                    <a:p>
+                      <a:pPr marL="628650" lvl="1" indent="-171450">
+                        <a:lnSpc>
+                          <a:spcPct val="150000"/>
+                        </a:lnSpc>
+                        <a:buFont typeface="Wingdings" panose="05000000000000000000" pitchFamily="2" charset="2"/>
+                        <a:buChar char="q"/>
+                      </a:pPr>
+                      <a:r>
+                        <a:rPr lang="en-US" sz="1200" b="1"/>
+                        <a:t>Nginx / Apache2</a:t>
+                      </a:r>
+                      <a:r>
+                        <a:rPr lang="en-US" sz="1200"/>
+                        <a:t> — web serverlər</a:t>
+                      </a:r>
+                    </a:p>
+                    <a:p>
+                      <a:pPr marL="628650" lvl="1" indent="-171450">
+                        <a:lnSpc>
+                          <a:spcPct val="150000"/>
+                        </a:lnSpc>
+                        <a:buFont typeface="Wingdings" panose="05000000000000000000" pitchFamily="2" charset="2"/>
+                        <a:buChar char="q"/>
+                      </a:pPr>
+                      <a:r>
+                        <a:rPr lang="en-US" sz="1200" b="1"/>
+                        <a:t>Docker</a:t>
+                      </a:r>
+                      <a:r>
+                        <a:rPr lang="en-US" sz="1200"/>
+                        <a:t> — konteynerləşdirmə</a:t>
+                      </a:r>
+                    </a:p>
+                    <a:p>
+                      <a:pPr marL="628650" lvl="1" indent="-171450">
+                        <a:lnSpc>
+                          <a:spcPct val="150000"/>
+                        </a:lnSpc>
+                        <a:buFont typeface="Wingdings" panose="05000000000000000000" pitchFamily="2" charset="2"/>
+                        <a:buChar char="q"/>
+                      </a:pPr>
+                      <a:r>
+                        <a:rPr lang="en-US" sz="1200" b="1"/>
+                        <a:t>Kubernetes (K8s)</a:t>
+                      </a:r>
+                      <a:r>
+                        <a:rPr lang="en-US" sz="1200"/>
+                        <a:t> — konteynerlərin orkestrasiyası</a:t>
+                      </a:r>
+                      <a:endParaRPr lang="az-Latn-AZ" sz="1200"/>
+                    </a:p>
+                    <a:p>
+                      <a:endParaRPr lang="en-US"/>
+                    </a:p>
+                  </a:txBody>
+                  <a:tcPr/>
+                </a:tc>
+                <a:tc>
+                  <a:txBody>
+                    <a:bodyPr/>
+                    <a:lstStyle/>
+                    <a:p>
+                      <a:endParaRPr lang="en-US"/>
+                    </a:p>
+                  </a:txBody>
+                  <a:tcPr/>
+                </a:tc>
+                <a:extLst>
+                  <a:ext uri="{0D108BD9-81ED-4DB2-BD59-A6C34878D82A}">
+                    <a16:rowId xmlns:a16="http://schemas.microsoft.com/office/drawing/2014/main" val="3830649437"/>
+                  </a:ext>
+                </a:extLst>
+              </a:tr>
+              <a:tr h="370840">
+                <a:tc>
+                  <a:txBody>
+                    <a:bodyPr/>
+                    <a:lstStyle/>
+                    <a:p>
+                      <a:r>
+                        <a:rPr lang="en-US" sz="1200" b="1"/>
+                        <a:t>⚡ CI/CD (Continuous Integration / Continuous Deployment)</a:t>
+                      </a:r>
+                    </a:p>
+                    <a:p>
+                      <a:pPr marL="628650" lvl="1" indent="-171450">
+                        <a:lnSpc>
+                          <a:spcPct val="150000"/>
+                        </a:lnSpc>
+                        <a:buFont typeface="Wingdings" panose="05000000000000000000" pitchFamily="2" charset="2"/>
+                        <a:buChar char="q"/>
+                      </a:pPr>
+                      <a:r>
+                        <a:rPr lang="en-US" sz="1200" b="1"/>
+                        <a:t>GitHub Actions</a:t>
+                      </a:r>
+                      <a:endParaRPr lang="en-US" sz="1200"/>
+                    </a:p>
+                    <a:p>
+                      <a:pPr marL="628650" lvl="1" indent="-171450">
+                        <a:lnSpc>
+                          <a:spcPct val="150000"/>
+                        </a:lnSpc>
+                        <a:buFont typeface="Wingdings" panose="05000000000000000000" pitchFamily="2" charset="2"/>
+                        <a:buChar char="q"/>
+                      </a:pPr>
+                      <a:r>
+                        <a:rPr lang="en-US" sz="1200" b="1"/>
+                        <a:t>GitLab CI/CD</a:t>
+                      </a:r>
+                      <a:endParaRPr lang="en-US" sz="1200"/>
+                    </a:p>
+                    <a:p>
+                      <a:pPr marL="628650" lvl="1" indent="-171450">
+                        <a:lnSpc>
+                          <a:spcPct val="150000"/>
+                        </a:lnSpc>
+                        <a:buFont typeface="Wingdings" panose="05000000000000000000" pitchFamily="2" charset="2"/>
+                        <a:buChar char="q"/>
+                      </a:pPr>
+                      <a:r>
+                        <a:rPr lang="en-US" sz="1200" b="1"/>
+                        <a:t>Jenkins</a:t>
+                      </a:r>
+                      <a:endParaRPr lang="en-US" sz="1200"/>
+                    </a:p>
+                    <a:p>
+                      <a:pPr marL="628650" lvl="1" indent="-171450">
+                        <a:lnSpc>
+                          <a:spcPct val="150000"/>
+                        </a:lnSpc>
+                        <a:buFont typeface="Wingdings" panose="05000000000000000000" pitchFamily="2" charset="2"/>
+                        <a:buChar char="q"/>
+                      </a:pPr>
+                      <a:r>
+                        <a:rPr lang="en-US" sz="1200" b="1"/>
+                        <a:t>CircleCI</a:t>
+                      </a:r>
+                      <a:endParaRPr lang="az-Latn-AZ" sz="1200" b="1"/>
+                    </a:p>
+                    <a:p>
+                      <a:endParaRPr lang="en-US"/>
+                    </a:p>
+                  </a:txBody>
+                  <a:tcPr/>
+                </a:tc>
+                <a:tc>
+                  <a:txBody>
+                    <a:bodyPr/>
+                    <a:lstStyle/>
+                    <a:p>
+                      <a:endParaRPr lang="en-US"/>
+                    </a:p>
+                  </a:txBody>
+                  <a:tcPr/>
+                </a:tc>
+                <a:extLst>
+                  <a:ext uri="{0D108BD9-81ED-4DB2-BD59-A6C34878D82A}">
+                    <a16:rowId xmlns:a16="http://schemas.microsoft.com/office/drawing/2014/main" val="1823095955"/>
+                  </a:ext>
+                </a:extLst>
+              </a:tr>
+              <a:tr h="370840">
+                <a:tc>
+                  <a:txBody>
+                    <a:bodyPr/>
+                    <a:lstStyle/>
+                    <a:p>
+                      <a:endParaRPr lang="en-US"/>
+                    </a:p>
+                  </a:txBody>
+                  <a:tcPr/>
+                </a:tc>
+                <a:tc>
+                  <a:txBody>
+                    <a:bodyPr/>
+                    <a:lstStyle/>
+                    <a:p>
+                      <a:endParaRPr lang="en-US"/>
+                    </a:p>
+                  </a:txBody>
+                  <a:tcPr/>
+                </a:tc>
+                <a:extLst>
+                  <a:ext uri="{0D108BD9-81ED-4DB2-BD59-A6C34878D82A}">
+                    <a16:rowId xmlns:a16="http://schemas.microsoft.com/office/drawing/2014/main" val="1559655628"/>
+                  </a:ext>
+                </a:extLst>
+              </a:tr>
+            </a:tbl>
+          </a:graphicData>
+        </a:graphic>
+      </p:graphicFrame>
+    </p:spTree>
+    <p:extLst>
+      <p:ext uri="{BB962C8B-B14F-4D97-AF65-F5344CB8AC3E}">
+        <p14:creationId xmlns:p14="http://schemas.microsoft.com/office/powerpoint/2010/main" val="3403181441"/>
+      </p:ext>
+    </p:extLst>
+  </p:cSld>
+  <p:clrMapOvr>
+    <a:masterClrMapping/>
+  </p:clrMapOvr>
+</p:sld>
+</file>
+
+<file path=ppt/slides/slide4.xml><?xml version="1.0" encoding="utf-8"?>
+<p:sld xmlns:a="http://schemas.openxmlformats.org/drawingml/2006/main" xmlns:r="http://schemas.openxmlformats.org/officeDocument/2006/relationships" xmlns:p="http://schemas.openxmlformats.org/presentationml/2006/main">
+  <p:cSld>
+    <p:spTree>
+      <p:nvGrpSpPr>
+        <p:cNvPr id="1" name=""/>
+        <p:cNvGrpSpPr/>
+        <p:nvPr/>
+      </p:nvGrpSpPr>
+      <p:grpSpPr>
+        <a:xfrm>
+          <a:off x="0" y="0"/>
+          <a:ext cx="0" cy="0"/>
+          <a:chOff x="0" y="0"/>
+          <a:chExt cx="0" cy="0"/>
+        </a:xfrm>
+      </p:grpSpPr>
+      <p:sp>
+        <p:nvSpPr>
+          <p:cNvPr id="7" name="TextBox 6">
+            <a:extLst>
+              <a:ext uri="{FF2B5EF4-FFF2-40B4-BE49-F238E27FC236}">
+                <a16:creationId xmlns:a16="http://schemas.microsoft.com/office/drawing/2014/main" id="{B0932357-86BD-10D6-6AE2-3B57D9B9B2A8}"/>
+              </a:ext>
+            </a:extLst>
+          </p:cNvPr>
+          <p:cNvSpPr txBox="1"/>
+          <p:nvPr/>
+        </p:nvSpPr>
+        <p:spPr>
+          <a:xfrm>
+            <a:off x="402956" y="244826"/>
+            <a:ext cx="11622789" cy="6001643"/>
+          </a:xfrm>
+          <a:prstGeom prst="rect">
+            <a:avLst/>
+          </a:prstGeom>
+          <a:noFill/>
+        </p:spPr>
+        <p:txBody>
+          <a:bodyPr wrap="square">
+            <a:spAutoFit/>
+          </a:bodyPr>
+          <a:lstStyle/>
+          <a:p>
+            <a:r>
+              <a:rPr lang="az-Latn-AZ" sz="2400" b="1">
+                <a:solidFill>
+                  <a:srgbClr val="FF0000"/>
+                </a:solidFill>
+              </a:rPr>
+              <a:t>Dərslərin keçirilmə ardıcıllığı</a:t>
+            </a:r>
+            <a:r>
+              <a:rPr lang="az-Latn-AZ" sz="2400"/>
+              <a:t>:</a:t>
+            </a:r>
+          </a:p>
+          <a:p>
+            <a:endParaRPr lang="az-Latn-AZ" sz="2400"/>
+          </a:p>
+          <a:p>
+            <a:pPr marL="457200" indent="-457200">
+              <a:buFont typeface="+mj-lt"/>
+              <a:buAutoNum type="arabicPeriod"/>
+            </a:pPr>
+            <a:r>
+              <a:rPr lang="en-US" sz="2400"/>
+              <a:t>Operating systems </a:t>
+            </a:r>
+          </a:p>
+          <a:p>
+            <a:pPr marL="457200" indent="-457200">
+              <a:buFont typeface="+mj-lt"/>
+              <a:buAutoNum type="arabicPeriod"/>
+            </a:pPr>
+            <a:r>
+              <a:rPr lang="en-US" sz="2400"/>
+              <a:t>Servers</a:t>
+            </a:r>
+          </a:p>
+          <a:p>
+            <a:pPr marL="457200" indent="-457200">
+              <a:buFont typeface="+mj-lt"/>
+              <a:buAutoNum type="arabicPeriod"/>
+            </a:pPr>
+            <a:r>
+              <a:rPr lang="en-US" sz="2400"/>
+              <a:t>Cloud providers </a:t>
+            </a:r>
+          </a:p>
+          <a:p>
+            <a:pPr marL="457200" indent="-457200">
+              <a:buFont typeface="+mj-lt"/>
+              <a:buAutoNum type="arabicPeriod"/>
+            </a:pPr>
+            <a:r>
+              <a:rPr lang="en-US" sz="2400"/>
+              <a:t>Containers </a:t>
+            </a:r>
+          </a:p>
+          <a:p>
+            <a:pPr marL="457200" indent="-457200">
+              <a:buFont typeface="+mj-lt"/>
+              <a:buAutoNum type="arabicPeriod"/>
+            </a:pPr>
+            <a:r>
+              <a:rPr lang="en-US" sz="2400"/>
+              <a:t>Git </a:t>
+            </a:r>
+          </a:p>
+          <a:p>
+            <a:pPr marL="457200" indent="-457200">
+              <a:buFont typeface="+mj-lt"/>
+              <a:buAutoNum type="arabicPeriod"/>
+            </a:pPr>
+            <a:r>
+              <a:rPr lang="en-US" sz="2400"/>
+              <a:t>Infrastructure as a code </a:t>
+            </a:r>
+          </a:p>
+          <a:p>
+            <a:pPr marL="457200" indent="-457200">
+              <a:buFont typeface="+mj-lt"/>
+              <a:buAutoNum type="arabicPeriod"/>
+            </a:pPr>
+            <a:r>
+              <a:rPr lang="en-US" sz="2400"/>
+              <a:t>Kubernetes </a:t>
+            </a:r>
+          </a:p>
+          <a:p>
+            <a:pPr marL="457200" indent="-457200">
+              <a:buFont typeface="+mj-lt"/>
+              <a:buAutoNum type="arabicPeriod"/>
+            </a:pPr>
+            <a:r>
+              <a:rPr lang="en-US" sz="2400"/>
+              <a:t>Monitoring &amp; observability (logging) </a:t>
+            </a:r>
+          </a:p>
+          <a:p>
+            <a:pPr marL="457200" indent="-457200">
+              <a:buFont typeface="+mj-lt"/>
+              <a:buAutoNum type="arabicPeriod"/>
+            </a:pPr>
+            <a:r>
+              <a:rPr lang="en-US" sz="2400"/>
+              <a:t>Networking and security </a:t>
+            </a:r>
+          </a:p>
+          <a:p>
+            <a:pPr marL="457200" indent="-457200">
+              <a:buFont typeface="+mj-lt"/>
+              <a:buAutoNum type="arabicPeriod"/>
+            </a:pPr>
+            <a:r>
+              <a:rPr lang="en-US" sz="2400"/>
+              <a:t>Programing language </a:t>
+            </a:r>
+          </a:p>
+          <a:p>
+            <a:pPr marL="457200" indent="-457200">
+              <a:buFont typeface="+mj-lt"/>
+              <a:buAutoNum type="arabicPeriod"/>
+            </a:pPr>
+            <a:r>
+              <a:rPr lang="en-US" sz="2400"/>
+              <a:t>CI &amp; CD</a:t>
+            </a:r>
+          </a:p>
+          <a:p>
+            <a:pPr marL="457200" indent="-457200">
+              <a:buFont typeface="+mj-lt"/>
+              <a:buAutoNum type="arabicPeriod"/>
+            </a:pPr>
+            <a:r>
+              <a:rPr lang="en-US" sz="2400"/>
+              <a:t>Software engineering practices </a:t>
+            </a:r>
+            <a:endParaRPr lang="az-Latn-AZ" sz="2400"/>
+          </a:p>
+          <a:p>
+            <a:endParaRPr lang="az-Latn-AZ" sz="2400"/>
+          </a:p>
+          <a:p>
+            <a:endParaRPr lang="en-US" sz="2400"/>
+          </a:p>
+        </p:txBody>
+      </p:sp>
+    </p:spTree>
+    <p:extLst>
+      <p:ext uri="{BB962C8B-B14F-4D97-AF65-F5344CB8AC3E}">
+        <p14:creationId xmlns:p14="http://schemas.microsoft.com/office/powerpoint/2010/main" val="3612794854"/>
+      </p:ext>
+    </p:extLst>
+  </p:cSld>
+  <p:clrMapOvr>
+    <a:masterClrMapping/>
+  </p:clrMapOvr>
+</p:sld>
+</file>
+
+<file path=ppt/slides/slide5.xml><?xml version="1.0" encoding="utf-8"?>
+<p:sld xmlns:a="http://schemas.openxmlformats.org/drawingml/2006/main" xmlns:r="http://schemas.openxmlformats.org/officeDocument/2006/relationships" xmlns:p="http://schemas.openxmlformats.org/presentationml/2006/main">
+  <p:cSld>
+    <p:spTree>
+      <p:nvGrpSpPr>
+        <p:cNvPr id="1" name="">
+          <a:extLst>
+            <a:ext uri="{FF2B5EF4-FFF2-40B4-BE49-F238E27FC236}">
+              <a16:creationId xmlns:a16="http://schemas.microsoft.com/office/drawing/2014/main" id="{35732752-D6BB-D154-AE7E-F3676A09E577}"/>
+            </a:ext>
+          </a:extLst>
+        </p:cNvPr>
+        <p:cNvGrpSpPr/>
+        <p:nvPr/>
+      </p:nvGrpSpPr>
+      <p:grpSpPr>
+        <a:xfrm>
+          <a:off x="0" y="0"/>
+          <a:ext cx="0" cy="0"/>
+          <a:chOff x="0" y="0"/>
+          <a:chExt cx="0" cy="0"/>
+        </a:xfrm>
+      </p:grpSpPr>
+      <p:sp>
+        <p:nvSpPr>
+          <p:cNvPr id="7" name="TextBox 6">
+            <a:extLst>
+              <a:ext uri="{FF2B5EF4-FFF2-40B4-BE49-F238E27FC236}">
+                <a16:creationId xmlns:a16="http://schemas.microsoft.com/office/drawing/2014/main" id="{295E513B-03D4-0BFA-37FC-49E5B15FFD2E}"/>
+              </a:ext>
+            </a:extLst>
+          </p:cNvPr>
+          <p:cNvSpPr txBox="1"/>
+          <p:nvPr/>
+        </p:nvSpPr>
+        <p:spPr>
+          <a:xfrm>
+            <a:off x="203200" y="244826"/>
+            <a:ext cx="11822545" cy="276999"/>
+          </a:xfrm>
+          <a:prstGeom prst="rect">
+            <a:avLst/>
+          </a:prstGeom>
+          <a:noFill/>
+        </p:spPr>
+        <p:txBody>
+          <a:bodyPr wrap="square">
+            <a:spAutoFit/>
+          </a:bodyPr>
+          <a:lstStyle/>
+          <a:p>
+            <a:r>
+              <a:rPr lang="az-Latn-AZ" sz="1200"/>
+              <a:t>.</a:t>
+            </a:r>
+            <a:endParaRPr lang="en-US" sz="1200"/>
+          </a:p>
+        </p:txBody>
+      </p:sp>
+    </p:spTree>
+    <p:extLst>
+      <p:ext uri="{BB962C8B-B14F-4D97-AF65-F5344CB8AC3E}">
+        <p14:creationId xmlns:p14="http://schemas.microsoft.com/office/powerpoint/2010/main" val="2857814856"/>
+      </p:ext>
+    </p:extLst>
+  </p:cSld>
+  <p:clrMapOvr>
+    <a:masterClrMapping/>
+  </p:clrMapOvr>
+</p:sld>
+</file>
+
+<file path=ppt/slides/slide6.xml><?xml version="1.0" encoding="utf-8"?>
+<p:sld xmlns:a="http://schemas.openxmlformats.org/drawingml/2006/main" xmlns:r="http://schemas.openxmlformats.org/officeDocument/2006/relationships" xmlns:p="http://schemas.openxmlformats.org/presentationml/2006/main">
+  <p:cSld>
+    <p:spTree>
+      <p:nvGrpSpPr>
+        <p:cNvPr id="1" name="">
+          <a:extLst>
+            <a:ext uri="{FF2B5EF4-FFF2-40B4-BE49-F238E27FC236}">
+              <a16:creationId xmlns:a16="http://schemas.microsoft.com/office/drawing/2014/main" id="{4A86A9EF-F5E6-BDFB-CC0F-0D05C8974E34}"/>
+            </a:ext>
+          </a:extLst>
+        </p:cNvPr>
+        <p:cNvGrpSpPr/>
+        <p:nvPr/>
+      </p:nvGrpSpPr>
+      <p:grpSpPr>
+        <a:xfrm>
+          <a:off x="0" y="0"/>
+          <a:ext cx="0" cy="0"/>
+          <a:chOff x="0" y="0"/>
+          <a:chExt cx="0" cy="0"/>
+        </a:xfrm>
+      </p:grpSpPr>
+      <p:sp>
+        <p:nvSpPr>
+          <p:cNvPr id="7" name="TextBox 6">
+            <a:extLst>
+              <a:ext uri="{FF2B5EF4-FFF2-40B4-BE49-F238E27FC236}">
+                <a16:creationId xmlns:a16="http://schemas.microsoft.com/office/drawing/2014/main" id="{61AC7D89-B871-5EE6-12D3-B579A8E21A98}"/>
+              </a:ext>
+            </a:extLst>
+          </p:cNvPr>
+          <p:cNvSpPr txBox="1"/>
+          <p:nvPr/>
+        </p:nvSpPr>
+        <p:spPr>
+          <a:xfrm>
+            <a:off x="203200" y="244826"/>
+            <a:ext cx="11822545" cy="276999"/>
+          </a:xfrm>
+          <a:prstGeom prst="rect">
+            <a:avLst/>
+          </a:prstGeom>
+          <a:noFill/>
+        </p:spPr>
+        <p:txBody>
+          <a:bodyPr wrap="square">
+            <a:spAutoFit/>
+          </a:bodyPr>
+          <a:lstStyle/>
+          <a:p>
+            <a:r>
+              <a:rPr lang="az-Latn-AZ" sz="1200"/>
+              <a:t>.</a:t>
+            </a:r>
+            <a:endParaRPr lang="en-US" sz="1200"/>
+          </a:p>
+        </p:txBody>
+      </p:sp>
+    </p:spTree>
+    <p:extLst>
+      <p:ext uri="{BB962C8B-B14F-4D97-AF65-F5344CB8AC3E}">
+        <p14:creationId xmlns:p14="http://schemas.microsoft.com/office/powerpoint/2010/main" val="2993879115"/>
+      </p:ext>
+    </p:extLst>
+  </p:cSld>
+  <p:clrMapOvr>
+    <a:masterClrMapping/>
+  </p:clrMapOvr>
+</p:sld>
+</file>
+
+<file path=ppt/slides/slide7.xml><?xml version="1.0" encoding="utf-8"?>
+<p:sld xmlns:a="http://schemas.openxmlformats.org/drawingml/2006/main" xmlns:r="http://schemas.openxmlformats.org/officeDocument/2006/relationships" xmlns:p="http://schemas.openxmlformats.org/presentationml/2006/main">
+  <p:cSld>
+    <p:spTree>
+      <p:nvGrpSpPr>
+        <p:cNvPr id="1" name="">
+          <a:extLst>
+            <a:ext uri="{FF2B5EF4-FFF2-40B4-BE49-F238E27FC236}">
+              <a16:creationId xmlns:a16="http://schemas.microsoft.com/office/drawing/2014/main" id="{B1896489-B25B-692E-9C71-F888FA1AA9F7}"/>
+            </a:ext>
+          </a:extLst>
+        </p:cNvPr>
+        <p:cNvGrpSpPr/>
+        <p:nvPr/>
+      </p:nvGrpSpPr>
+      <p:grpSpPr>
+        <a:xfrm>
+          <a:off x="0" y="0"/>
+          <a:ext cx="0" cy="0"/>
+          <a:chOff x="0" y="0"/>
+          <a:chExt cx="0" cy="0"/>
+        </a:xfrm>
+      </p:grpSpPr>
+      <p:sp>
+        <p:nvSpPr>
+          <p:cNvPr id="7" name="TextBox 6">
+            <a:extLst>
+              <a:ext uri="{FF2B5EF4-FFF2-40B4-BE49-F238E27FC236}">
+                <a16:creationId xmlns:a16="http://schemas.microsoft.com/office/drawing/2014/main" id="{AF34A55A-BE08-AD91-C095-0477BF857A37}"/>
+              </a:ext>
+            </a:extLst>
+          </p:cNvPr>
+          <p:cNvSpPr txBox="1"/>
+          <p:nvPr/>
+        </p:nvSpPr>
+        <p:spPr>
+          <a:xfrm>
+            <a:off x="203200" y="244826"/>
+            <a:ext cx="11822545" cy="276999"/>
+          </a:xfrm>
+          <a:prstGeom prst="rect">
+            <a:avLst/>
+          </a:prstGeom>
+          <a:noFill/>
+        </p:spPr>
+        <p:txBody>
+          <a:bodyPr wrap="square">
+            <a:spAutoFit/>
+          </a:bodyPr>
+          <a:lstStyle/>
+          <a:p>
+            <a:r>
+              <a:rPr lang="az-Latn-AZ" sz="1200"/>
+              <a:t>.</a:t>
+            </a:r>
+            <a:endParaRPr lang="en-US" sz="1200"/>
+          </a:p>
+        </p:txBody>
+      </p:sp>
+    </p:spTree>
+    <p:extLst>
+      <p:ext uri="{BB962C8B-B14F-4D97-AF65-F5344CB8AC3E}">
+        <p14:creationId xmlns:p14="http://schemas.microsoft.com/office/powerpoint/2010/main" val="2254342270"/>
+      </p:ext>
+    </p:extLst>
+  </p:cSld>
+  <p:clrMapOvr>
+    <a:masterClrMapping/>
+  </p:clrMapOvr>
+</p:sld>
+</file>
+
+<file path=ppt/slides/slide8.xml><?xml version="1.0" encoding="utf-8"?>
+<p:sld xmlns:a="http://schemas.openxmlformats.org/drawingml/2006/main" xmlns:r="http://schemas.openxmlformats.org/officeDocument/2006/relationships" xmlns:p="http://schemas.openxmlformats.org/presentationml/2006/main">
+  <p:cSld>
+    <p:spTree>
+      <p:nvGrpSpPr>
+        <p:cNvPr id="1" name="">
+          <a:extLst>
+            <a:ext uri="{FF2B5EF4-FFF2-40B4-BE49-F238E27FC236}">
+              <a16:creationId xmlns:a16="http://schemas.microsoft.com/office/drawing/2014/main" id="{EA15C987-7F5D-14AF-E329-B8DA72CDDC3D}"/>
+            </a:ext>
+          </a:extLst>
+        </p:cNvPr>
+        <p:cNvGrpSpPr/>
+        <p:nvPr/>
+      </p:nvGrpSpPr>
+      <p:grpSpPr>
+        <a:xfrm>
+          <a:off x="0" y="0"/>
+          <a:ext cx="0" cy="0"/>
+          <a:chOff x="0" y="0"/>
+          <a:chExt cx="0" cy="0"/>
+        </a:xfrm>
+      </p:grpSpPr>
+      <p:sp>
+        <p:nvSpPr>
+          <p:cNvPr id="7" name="TextBox 6">
+            <a:extLst>
+              <a:ext uri="{FF2B5EF4-FFF2-40B4-BE49-F238E27FC236}">
+                <a16:creationId xmlns:a16="http://schemas.microsoft.com/office/drawing/2014/main" id="{1212B313-5738-8D37-F054-FA88A25148AE}"/>
+              </a:ext>
+            </a:extLst>
+          </p:cNvPr>
+          <p:cNvSpPr txBox="1"/>
+          <p:nvPr/>
+        </p:nvSpPr>
+        <p:spPr>
+          <a:xfrm>
+            <a:off x="203200" y="244826"/>
+            <a:ext cx="11822545" cy="276999"/>
+          </a:xfrm>
+          <a:prstGeom prst="rect">
+            <a:avLst/>
+          </a:prstGeom>
+          <a:noFill/>
+        </p:spPr>
+        <p:txBody>
+          <a:bodyPr wrap="square">
+            <a:spAutoFit/>
+          </a:bodyPr>
+          <a:lstStyle/>
+          <a:p>
+            <a:r>
+              <a:rPr lang="az-Latn-AZ" sz="1200"/>
+              <a:t>.</a:t>
+            </a:r>
+            <a:endParaRPr lang="en-US" sz="1200"/>
+          </a:p>
+        </p:txBody>
+      </p:sp>
+    </p:spTree>
+    <p:extLst>
+      <p:ext uri="{BB962C8B-B14F-4D97-AF65-F5344CB8AC3E}">
+        <p14:creationId xmlns:p14="http://schemas.microsoft.com/office/powerpoint/2010/main" val="566132708"/>
+      </p:ext>
+    </p:extLst>
+  </p:cSld>
+  <p:clrMapOvr>
+    <a:masterClrMapping/>
+  </p:clrMapOvr>
+</p:sld>
+</file>
+
+<file path=ppt/slides/slide9.xml><?xml version="1.0" encoding="utf-8"?>
+<p:sld xmlns:a="http://schemas.openxmlformats.org/drawingml/2006/main" xmlns:r="http://schemas.openxmlformats.org/officeDocument/2006/relationships" xmlns:p="http://schemas.openxmlformats.org/presentationml/2006/main">
+  <p:cSld>
+    <p:spTree>
+      <p:nvGrpSpPr>
+        <p:cNvPr id="1" name="">
+          <a:extLst>
+            <a:ext uri="{FF2B5EF4-FFF2-40B4-BE49-F238E27FC236}">
+              <a16:creationId xmlns:a16="http://schemas.microsoft.com/office/drawing/2014/main" id="{CDE6BF50-A484-B8D5-95E5-C872596D0084}"/>
+            </a:ext>
+          </a:extLst>
+        </p:cNvPr>
+        <p:cNvGrpSpPr/>
+        <p:nvPr/>
+      </p:nvGrpSpPr>
+      <p:grpSpPr>
+        <a:xfrm>
+          <a:off x="0" y="0"/>
+          <a:ext cx="0" cy="0"/>
+          <a:chOff x="0" y="0"/>
+          <a:chExt cx="0" cy="0"/>
+        </a:xfrm>
+      </p:grpSpPr>
+      <p:sp>
+        <p:nvSpPr>
+          <p:cNvPr id="7" name="TextBox 6">
+            <a:extLst>
+              <a:ext uri="{FF2B5EF4-FFF2-40B4-BE49-F238E27FC236}">
+                <a16:creationId xmlns:a16="http://schemas.microsoft.com/office/drawing/2014/main" id="{6265B215-00DD-6007-5EC1-E8AAE4133EC1}"/>
+              </a:ext>
+            </a:extLst>
+          </p:cNvPr>
+          <p:cNvSpPr txBox="1"/>
+          <p:nvPr/>
+        </p:nvSpPr>
+        <p:spPr>
+          <a:xfrm>
+            <a:off x="203200" y="244826"/>
+            <a:ext cx="11822545" cy="276999"/>
+          </a:xfrm>
+          <a:prstGeom prst="rect">
+            <a:avLst/>
+          </a:prstGeom>
+          <a:noFill/>
+        </p:spPr>
+        <p:txBody>
+          <a:bodyPr wrap="square">
+            <a:spAutoFit/>
+          </a:bodyPr>
+          <a:lstStyle/>
+          <a:p>
+            <a:r>
+              <a:rPr lang="az-Latn-AZ" sz="1200"/>
+              <a:t>.</a:t>
+            </a:r>
+            <a:endParaRPr lang="en-US" sz="1200"/>
+          </a:p>
+        </p:txBody>
+      </p:sp>
+    </p:spTree>
+    <p:extLst>
+      <p:ext uri="{BB962C8B-B14F-4D97-AF65-F5344CB8AC3E}">
+        <p14:creationId xmlns:p14="http://schemas.microsoft.com/office/powerpoint/2010/main" val="2189911118"/>
       </p:ext>
     </p:extLst>
   </p:cSld>

--- a/.lessons/Entry.pptx
+++ b/.lessons/Entry.pptx
@@ -8,13 +8,12 @@
     <p:sldId id="263" r:id="rId2"/>
     <p:sldId id="264" r:id="rId3"/>
     <p:sldId id="265" r:id="rId4"/>
-    <p:sldId id="256" r:id="rId5"/>
-    <p:sldId id="266" r:id="rId6"/>
-    <p:sldId id="267" r:id="rId7"/>
-    <p:sldId id="268" r:id="rId8"/>
-    <p:sldId id="269" r:id="rId9"/>
-    <p:sldId id="270" r:id="rId10"/>
-    <p:sldId id="271" r:id="rId11"/>
+    <p:sldId id="266" r:id="rId5"/>
+    <p:sldId id="267" r:id="rId6"/>
+    <p:sldId id="268" r:id="rId7"/>
+    <p:sldId id="269" r:id="rId8"/>
+    <p:sldId id="270" r:id="rId9"/>
+    <p:sldId id="271" r:id="rId10"/>
   </p:sldIdLst>
   <p:sldSz cx="12192000" cy="6858000"/>
   <p:notesSz cx="6858000" cy="9144000"/>
@@ -3525,78 +3524,6 @@
 </p:sld>
 </file>
 
-<file path=ppt/slides/slide10.xml><?xml version="1.0" encoding="utf-8"?>
-<p:sld xmlns:a="http://schemas.openxmlformats.org/drawingml/2006/main" xmlns:r="http://schemas.openxmlformats.org/officeDocument/2006/relationships" xmlns:p="http://schemas.openxmlformats.org/presentationml/2006/main">
-  <p:cSld>
-    <p:spTree>
-      <p:nvGrpSpPr>
-        <p:cNvPr id="1" name="">
-          <a:extLst>
-            <a:ext uri="{FF2B5EF4-FFF2-40B4-BE49-F238E27FC236}">
-              <a16:creationId xmlns:a16="http://schemas.microsoft.com/office/drawing/2014/main" id="{D18C3885-7360-85D6-1B5C-4CC72102B1DB}"/>
-            </a:ext>
-          </a:extLst>
-        </p:cNvPr>
-        <p:cNvGrpSpPr/>
-        <p:nvPr/>
-      </p:nvGrpSpPr>
-      <p:grpSpPr>
-        <a:xfrm>
-          <a:off x="0" y="0"/>
-          <a:ext cx="0" cy="0"/>
-          <a:chOff x="0" y="0"/>
-          <a:chExt cx="0" cy="0"/>
-        </a:xfrm>
-      </p:grpSpPr>
-      <p:sp>
-        <p:nvSpPr>
-          <p:cNvPr id="7" name="TextBox 6">
-            <a:extLst>
-              <a:ext uri="{FF2B5EF4-FFF2-40B4-BE49-F238E27FC236}">
-                <a16:creationId xmlns:a16="http://schemas.microsoft.com/office/drawing/2014/main" id="{D8D87F96-00BA-59E4-FCE5-9FCE9162D848}"/>
-              </a:ext>
-            </a:extLst>
-          </p:cNvPr>
-          <p:cNvSpPr txBox="1"/>
-          <p:nvPr/>
-        </p:nvSpPr>
-        <p:spPr>
-          <a:xfrm>
-            <a:off x="203200" y="244826"/>
-            <a:ext cx="11822545" cy="276999"/>
-          </a:xfrm>
-          <a:prstGeom prst="rect">
-            <a:avLst/>
-          </a:prstGeom>
-          <a:noFill/>
-        </p:spPr>
-        <p:txBody>
-          <a:bodyPr wrap="square">
-            <a:spAutoFit/>
-          </a:bodyPr>
-          <a:lstStyle/>
-          <a:p>
-            <a:r>
-              <a:rPr lang="az-Latn-AZ" sz="1200"/>
-              <a:t>.</a:t>
-            </a:r>
-            <a:endParaRPr lang="en-US" sz="1200"/>
-          </a:p>
-        </p:txBody>
-      </p:sp>
-    </p:spTree>
-    <p:extLst>
-      <p:ext uri="{BB962C8B-B14F-4D97-AF65-F5344CB8AC3E}">
-        <p14:creationId xmlns:p14="http://schemas.microsoft.com/office/powerpoint/2010/main" val="4137925783"/>
-      </p:ext>
-    </p:extLst>
-  </p:cSld>
-  <p:clrMapOvr>
-    <a:masterClrMapping/>
-  </p:clrMapOvr>
-</p:sld>
-</file>
-
 <file path=ppt/slides/slide2.xml><?xml version="1.0" encoding="utf-8"?>
 <p:sld xmlns:a="http://schemas.openxmlformats.org/drawingml/2006/main" xmlns:r="http://schemas.openxmlformats.org/officeDocument/2006/relationships" xmlns:p="http://schemas.openxmlformats.org/presentationml/2006/main">
   <p:cSld>
@@ -4731,7 +4658,7 @@
         <p:spPr>
           <a:xfrm>
             <a:off x="0" y="0"/>
-            <a:ext cx="12192000" cy="4616648"/>
+            <a:ext cx="12192000" cy="584775"/>
           </a:xfrm>
           <a:prstGeom prst="rect">
             <a:avLst/>
@@ -4744,188 +4671,18 @@
           </a:bodyPr>
           <a:lstStyle/>
           <a:p>
-            <a:r>
-              <a:rPr lang="en-US" sz="1200"/>
-              <a:t>DevOps çox geniş bilik tələb edir. Ən çox işlədilən alətləri qruplaşdırım:</a:t>
-            </a:r>
-          </a:p>
-          <a:p>
-            <a:pPr marL="628650" lvl="1" indent="-171450">
-              <a:lnSpc>
-                <a:spcPct val="150000"/>
-              </a:lnSpc>
-              <a:buFont typeface="Wingdings" panose="05000000000000000000" pitchFamily="2" charset="2"/>
-              <a:buChar char="q"/>
-            </a:pPr>
-            <a:endParaRPr lang="en-US" sz="1200"/>
-          </a:p>
-          <a:p>
-            <a:pPr marL="628650" lvl="1" indent="-171450">
-              <a:lnSpc>
-                <a:spcPct val="150000"/>
-              </a:lnSpc>
-              <a:buFont typeface="Wingdings" panose="05000000000000000000" pitchFamily="2" charset="2"/>
-              <a:buChar char="q"/>
-            </a:pPr>
-            <a:endParaRPr lang="en-US" sz="1200"/>
-          </a:p>
-          <a:p>
-            <a:r>
-              <a:rPr lang="en-US" sz="1200" b="1"/>
-              <a:t>🧱 Infrastructure as Code (IaC)</a:t>
-            </a:r>
-          </a:p>
-          <a:p>
-            <a:pPr marL="628650" lvl="1" indent="-171450">
-              <a:lnSpc>
-                <a:spcPct val="150000"/>
-              </a:lnSpc>
-              <a:buFont typeface="Wingdings" panose="05000000000000000000" pitchFamily="2" charset="2"/>
-              <a:buChar char="q"/>
-            </a:pPr>
-            <a:r>
-              <a:rPr lang="en-US" sz="1200" b="1"/>
-              <a:t>Terraform</a:t>
-            </a:r>
-            <a:endParaRPr lang="en-US" sz="1200"/>
-          </a:p>
-          <a:p>
-            <a:pPr marL="628650" lvl="1" indent="-171450">
-              <a:lnSpc>
-                <a:spcPct val="150000"/>
-              </a:lnSpc>
-              <a:buFont typeface="Wingdings" panose="05000000000000000000" pitchFamily="2" charset="2"/>
-              <a:buChar char="q"/>
-            </a:pPr>
-            <a:r>
-              <a:rPr lang="en-US" sz="1200" b="1"/>
-              <a:t>Ansible</a:t>
-            </a:r>
-            <a:endParaRPr lang="en-US" sz="1200"/>
-          </a:p>
-          <a:p>
-            <a:pPr marL="628650" lvl="1" indent="-171450">
-              <a:lnSpc>
-                <a:spcPct val="150000"/>
-              </a:lnSpc>
-              <a:buFont typeface="Wingdings" panose="05000000000000000000" pitchFamily="2" charset="2"/>
-              <a:buChar char="q"/>
-            </a:pPr>
-            <a:r>
-              <a:rPr lang="en-US" sz="1200" b="1"/>
-              <a:t>CloudFormation</a:t>
-            </a:r>
-            <a:endParaRPr lang="en-US" sz="1200"/>
-          </a:p>
-          <a:p>
-            <a:r>
-              <a:rPr lang="en-US" sz="1200" b="1"/>
-              <a:t>☁️ Cloud Platformalar</a:t>
-            </a:r>
-          </a:p>
-          <a:p>
-            <a:r>
-              <a:rPr lang="en-US" sz="1200" b="1"/>
-              <a:t>AWS (Amazon Web Services)</a:t>
-            </a:r>
-            <a:endParaRPr lang="en-US" sz="1200"/>
-          </a:p>
-          <a:p>
-            <a:r>
-              <a:rPr lang="en-US" sz="1200" b="1"/>
-              <a:t>Azure</a:t>
-            </a:r>
-            <a:endParaRPr lang="en-US" sz="1200"/>
-          </a:p>
-          <a:p>
-            <a:r>
-              <a:rPr lang="en-US" sz="1200" b="1"/>
-              <a:t>Google Cloud Platform</a:t>
-            </a:r>
-            <a:endParaRPr lang="en-US" sz="1200"/>
-          </a:p>
-          <a:p>
-            <a:r>
-              <a:rPr lang="en-US" sz="1200" b="1"/>
-              <a:t>DigitalOcean</a:t>
-            </a:r>
-            <a:endParaRPr lang="en-US" sz="1200"/>
-          </a:p>
-          <a:p>
-            <a:r>
-              <a:rPr lang="en-US" sz="1200" b="1"/>
-              <a:t>🧠 Monitoring və Logging</a:t>
-            </a:r>
-          </a:p>
-          <a:p>
-            <a:r>
-              <a:rPr lang="en-US" sz="1200" b="1"/>
-              <a:t>Prometheus</a:t>
-            </a:r>
-            <a:endParaRPr lang="en-US" sz="1200"/>
-          </a:p>
-          <a:p>
-            <a:r>
-              <a:rPr lang="en-US" sz="1200" b="1"/>
-              <a:t>Grafana</a:t>
-            </a:r>
-            <a:endParaRPr lang="en-US" sz="1200"/>
-          </a:p>
-          <a:p>
-            <a:r>
-              <a:rPr lang="en-US" sz="1200" b="1"/>
-              <a:t>ELK Stack (Elasticsearch, Logstash, Kibana)</a:t>
-            </a:r>
-            <a:endParaRPr lang="en-US" sz="1200"/>
-          </a:p>
-          <a:p>
-            <a:r>
-              <a:rPr lang="en-US" sz="1200" b="1"/>
-              <a:t>Datadog</a:t>
-            </a:r>
-            <a:r>
-              <a:rPr lang="en-US" sz="1200"/>
-              <a:t>, </a:t>
-            </a:r>
-            <a:r>
-              <a:rPr lang="en-US" sz="1200" b="1"/>
-              <a:t>New Relic</a:t>
-            </a:r>
-            <a:endParaRPr lang="en-US" sz="1200"/>
-          </a:p>
-          <a:p>
-            <a:r>
-              <a:rPr lang="en-US" sz="1200" b="1"/>
-              <a:t>🔒 Security</a:t>
-            </a:r>
-          </a:p>
-          <a:p>
-            <a:r>
-              <a:rPr lang="en-US" sz="1200" b="1"/>
-              <a:t>UFW, firewalld</a:t>
-            </a:r>
-            <a:endParaRPr lang="en-US" sz="1200"/>
-          </a:p>
-          <a:p>
-            <a:r>
-              <a:rPr lang="en-US" sz="1200" b="1"/>
-              <a:t>SSL / TLS</a:t>
-            </a:r>
-            <a:endParaRPr lang="en-US" sz="1200"/>
-          </a:p>
-          <a:p>
-            <a:r>
-              <a:rPr lang="en-US" sz="1200" b="1"/>
-              <a:t>IAM (Identity &amp; Access Management)</a:t>
-            </a:r>
-            <a:endParaRPr lang="en-US" sz="1200"/>
-          </a:p>
-          <a:p>
-            <a:r>
-              <a:rPr lang="en-US" sz="1200" b="1"/>
-              <a:t>Secrets management (Vault, AWS Secrets Manager)</a:t>
-            </a:r>
-            <a:endParaRPr lang="en-US" sz="1200"/>
+            <a:endParaRPr lang="en-US" sz="1600"/>
+          </a:p>
+          <a:p>
+            <a:r>
+              <a:rPr lang="en-US" sz="1600"/>
+              <a:t>DevOps çox geniş bilik tələb edir. Ən çox işlədilən alətləri qruplaşdıraq: </a:t>
+            </a:r>
+            <a:r>
+              <a:rPr lang="az-Latn-AZ" sz="1600"/>
+              <a:t>Bunlar ən çox və minimum tələb olunan biliklərdir.</a:t>
+            </a:r>
+            <a:endParaRPr lang="en-US" sz="1600"/>
           </a:p>
         </p:txBody>
       </p:sp>
@@ -4944,30 +4701,30 @@
           <p:nvPr>
             <p:extLst>
               <p:ext uri="{D42A27DB-BD31-4B8C-83A1-F6EECF244321}">
-                <p14:modId xmlns:p14="http://schemas.microsoft.com/office/powerpoint/2010/main" val="455885784"/>
+                <p14:modId xmlns:p14="http://schemas.microsoft.com/office/powerpoint/2010/main" val="3992637186"/>
               </p:ext>
             </p:extLst>
           </p:nvPr>
         </p:nvGraphicFramePr>
         <p:xfrm>
-          <a:off x="2974109" y="1948102"/>
-          <a:ext cx="8128000" cy="3845560"/>
+          <a:off x="785089" y="1097280"/>
+          <a:ext cx="10326256" cy="4663440"/>
         </p:xfrm>
         <a:graphic>
           <a:graphicData uri="http://schemas.openxmlformats.org/drawingml/2006/table">
             <a:tbl>
               <a:tblPr firstRow="1" bandRow="1">
-                <a:tableStyleId>{5C22544A-7EE6-4342-B048-85BDC9FD1C3A}</a:tableStyleId>
+                <a:tableStyleId>{5940675A-B579-460E-94D1-54222C63F5DA}</a:tableStyleId>
               </a:tblPr>
               <a:tblGrid>
-                <a:gridCol w="4064000">
+                <a:gridCol w="5163128">
                   <a:extLst>
                     <a:ext uri="{9D8B030D-6E8A-4147-A177-3AD203B41FA5}">
                       <a16:colId xmlns:a16="http://schemas.microsoft.com/office/drawing/2014/main" val="2352021874"/>
                     </a:ext>
                   </a:extLst>
                 </a:gridCol>
-                <a:gridCol w="4064000">
+                <a:gridCol w="5163128">
                   <a:extLst>
                     <a:ext uri="{9D8B030D-6E8A-4147-A177-3AD203B41FA5}">
                       <a16:colId xmlns:a16="http://schemas.microsoft.com/office/drawing/2014/main" val="3586818965"/>
@@ -4975,19 +4732,20 @@
                   </a:extLst>
                 </a:gridCol>
               </a:tblGrid>
-              <a:tr h="370840">
+              <a:tr h="1554480">
                 <a:tc>
                   <a:txBody>
                     <a:bodyPr/>
                     <a:lstStyle/>
                     <a:p>
+                      <a:pPr algn="l"/>
                       <a:r>
                         <a:rPr lang="en-US" sz="1200" b="1"/>
                         <a:t>🖥️ Serverlər və Əməliyyat Sistemləri</a:t>
                       </a:r>
                     </a:p>
                     <a:p>
-                      <a:pPr marL="628650" lvl="1" indent="-171450">
+                      <a:pPr marL="628650" lvl="1" indent="-171450" algn="l">
                         <a:lnSpc>
                           <a:spcPct val="150000"/>
                         </a:lnSpc>
@@ -5004,7 +4762,7 @@
                       </a:r>
                     </a:p>
                     <a:p>
-                      <a:pPr marL="628650" lvl="1" indent="-171450">
+                      <a:pPr marL="628650" lvl="1" indent="-171450" algn="l">
                         <a:lnSpc>
                           <a:spcPct val="150000"/>
                         </a:lnSpc>
@@ -5021,7 +4779,7 @@
                       </a:r>
                     </a:p>
                     <a:p>
-                      <a:pPr marL="628650" lvl="1" indent="-171450">
+                      <a:pPr marL="628650" lvl="1" indent="-171450" algn="l">
                         <a:lnSpc>
                           <a:spcPct val="150000"/>
                         </a:lnSpc>
@@ -5038,7 +4796,7 @@
                       </a:r>
                     </a:p>
                     <a:p>
-                      <a:pPr marL="628650" lvl="1" indent="-171450">
+                      <a:pPr marL="628650" lvl="1" indent="-171450" algn="l">
                         <a:lnSpc>
                           <a:spcPct val="150000"/>
                         </a:lnSpc>
@@ -5055,21 +4813,78 @@
                       </a:r>
                       <a:endParaRPr lang="az-Latn-AZ" sz="1200"/>
                     </a:p>
-                    <a:p>
-                      <a:endParaRPr lang="en-US"/>
-                    </a:p>
                   </a:txBody>
-                  <a:tcPr/>
+                  <a:tcPr anchor="ctr"/>
                 </a:tc>
                 <a:tc>
                   <a:txBody>
                     <a:bodyPr/>
                     <a:lstStyle/>
                     <a:p>
-                      <a:endParaRPr lang="en-US"/>
+                      <a:pPr algn="l"/>
+                      <a:r>
+                        <a:rPr lang="en-US" sz="1200" b="1"/>
+                        <a:t>☁️ Cloud Platformalar</a:t>
+                      </a:r>
+                    </a:p>
+                    <a:p>
+                      <a:pPr marL="171450" indent="-171450" algn="l">
+                        <a:lnSpc>
+                          <a:spcPct val="150000"/>
+                        </a:lnSpc>
+                        <a:buFont typeface="Wingdings" panose="05000000000000000000" pitchFamily="2" charset="2"/>
+                        <a:buChar char="q"/>
+                      </a:pPr>
+                      <a:r>
+                        <a:rPr lang="en-US" sz="1200" b="1"/>
+                        <a:t>AWS (Amazon Web Services)</a:t>
+                      </a:r>
+                      <a:endParaRPr lang="en-US" sz="1200"/>
+                    </a:p>
+                    <a:p>
+                      <a:pPr marL="171450" indent="-171450" algn="l">
+                        <a:lnSpc>
+                          <a:spcPct val="150000"/>
+                        </a:lnSpc>
+                        <a:buFont typeface="Wingdings" panose="05000000000000000000" pitchFamily="2" charset="2"/>
+                        <a:buChar char="q"/>
+                      </a:pPr>
+                      <a:r>
+                        <a:rPr lang="en-US" sz="1200" b="1"/>
+                        <a:t>Azure</a:t>
+                      </a:r>
+                      <a:endParaRPr lang="en-US" sz="1200"/>
+                    </a:p>
+                    <a:p>
+                      <a:pPr marL="171450" indent="-171450" algn="l">
+                        <a:lnSpc>
+                          <a:spcPct val="150000"/>
+                        </a:lnSpc>
+                        <a:buFont typeface="Wingdings" panose="05000000000000000000" pitchFamily="2" charset="2"/>
+                        <a:buChar char="q"/>
+                      </a:pPr>
+                      <a:r>
+                        <a:rPr lang="en-US" sz="1200" b="1"/>
+                        <a:t>Google Cloud Platform</a:t>
+                      </a:r>
+                      <a:endParaRPr lang="en-US" sz="1200"/>
+                    </a:p>
+                    <a:p>
+                      <a:pPr marL="171450" indent="-171450" algn="l">
+                        <a:lnSpc>
+                          <a:spcPct val="150000"/>
+                        </a:lnSpc>
+                        <a:buFont typeface="Wingdings" panose="05000000000000000000" pitchFamily="2" charset="2"/>
+                        <a:buChar char="q"/>
+                      </a:pPr>
+                      <a:r>
+                        <a:rPr lang="en-US" sz="1200" b="1"/>
+                        <a:t>DigitalOcean</a:t>
+                      </a:r>
+                      <a:endParaRPr lang="en-US" sz="1200"/>
                     </a:p>
                   </a:txBody>
-                  <a:tcPr/>
+                  <a:tcPr anchor="ctr"/>
                 </a:tc>
                 <a:extLst>
                   <a:ext uri="{0D108BD9-81ED-4DB2-BD59-A6C34878D82A}">
@@ -5077,19 +4892,20 @@
                   </a:ext>
                 </a:extLst>
               </a:tr>
-              <a:tr h="370840">
+              <a:tr h="1554480">
                 <a:tc>
                   <a:txBody>
                     <a:bodyPr/>
                     <a:lstStyle/>
                     <a:p>
+                      <a:pPr algn="l"/>
                       <a:r>
                         <a:rPr lang="en-US" sz="1200" b="1"/>
                         <a:t>⚡ CI/CD (Continuous Integration / Continuous Deployment)</a:t>
                       </a:r>
                     </a:p>
                     <a:p>
-                      <a:pPr marL="628650" lvl="1" indent="-171450">
+                      <a:pPr marL="628650" lvl="1" indent="-171450" algn="l">
                         <a:lnSpc>
                           <a:spcPct val="150000"/>
                         </a:lnSpc>
@@ -5103,7 +4919,7 @@
                       <a:endParaRPr lang="en-US" sz="1200"/>
                     </a:p>
                     <a:p>
-                      <a:pPr marL="628650" lvl="1" indent="-171450">
+                      <a:pPr marL="628650" lvl="1" indent="-171450" algn="l">
                         <a:lnSpc>
                           <a:spcPct val="150000"/>
                         </a:lnSpc>
@@ -5117,7 +4933,7 @@
                       <a:endParaRPr lang="en-US" sz="1200"/>
                     </a:p>
                     <a:p>
-                      <a:pPr marL="628650" lvl="1" indent="-171450">
+                      <a:pPr marL="628650" lvl="1" indent="-171450" algn="l">
                         <a:lnSpc>
                           <a:spcPct val="150000"/>
                         </a:lnSpc>
@@ -5131,7 +4947,7 @@
                       <a:endParaRPr lang="en-US" sz="1200"/>
                     </a:p>
                     <a:p>
-                      <a:pPr marL="628650" lvl="1" indent="-171450">
+                      <a:pPr marL="628650" lvl="1" indent="-171450" algn="l">
                         <a:lnSpc>
                           <a:spcPct val="150000"/>
                         </a:lnSpc>
@@ -5144,21 +4960,86 @@
                       </a:r>
                       <a:endParaRPr lang="az-Latn-AZ" sz="1200" b="1"/>
                     </a:p>
-                    <a:p>
-                      <a:endParaRPr lang="en-US"/>
-                    </a:p>
                   </a:txBody>
-                  <a:tcPr/>
+                  <a:tcPr anchor="ctr"/>
                 </a:tc>
                 <a:tc>
                   <a:txBody>
                     <a:bodyPr/>
                     <a:lstStyle/>
                     <a:p>
-                      <a:endParaRPr lang="en-US"/>
+                      <a:pPr algn="l"/>
+                      <a:r>
+                        <a:rPr lang="en-US" sz="1200" b="1"/>
+                        <a:t>🧠 Monitoring və Logging</a:t>
+                      </a:r>
+                    </a:p>
+                    <a:p>
+                      <a:pPr marL="171450" indent="-171450" algn="l">
+                        <a:lnSpc>
+                          <a:spcPct val="150000"/>
+                        </a:lnSpc>
+                        <a:buFont typeface="Wingdings" panose="05000000000000000000" pitchFamily="2" charset="2"/>
+                        <a:buChar char="q"/>
+                      </a:pPr>
+                      <a:r>
+                        <a:rPr lang="en-US" sz="1200" b="1"/>
+                        <a:t>Prometheus</a:t>
+                      </a:r>
+                      <a:endParaRPr lang="en-US" sz="1200"/>
+                    </a:p>
+                    <a:p>
+                      <a:pPr marL="171450" indent="-171450" algn="l">
+                        <a:lnSpc>
+                          <a:spcPct val="150000"/>
+                        </a:lnSpc>
+                        <a:buFont typeface="Wingdings" panose="05000000000000000000" pitchFamily="2" charset="2"/>
+                        <a:buChar char="q"/>
+                      </a:pPr>
+                      <a:r>
+                        <a:rPr lang="en-US" sz="1200" b="1"/>
+                        <a:t>Grafana</a:t>
+                      </a:r>
+                      <a:endParaRPr lang="en-US" sz="1200"/>
+                    </a:p>
+                    <a:p>
+                      <a:pPr marL="171450" indent="-171450" algn="l">
+                        <a:lnSpc>
+                          <a:spcPct val="150000"/>
+                        </a:lnSpc>
+                        <a:buFont typeface="Wingdings" panose="05000000000000000000" pitchFamily="2" charset="2"/>
+                        <a:buChar char="q"/>
+                      </a:pPr>
+                      <a:r>
+                        <a:rPr lang="en-US" sz="1200" b="1"/>
+                        <a:t>ELK Stack (Elasticsearch, Logstash, Kibana)</a:t>
+                      </a:r>
+                      <a:endParaRPr lang="en-US" sz="1200"/>
+                    </a:p>
+                    <a:p>
+                      <a:pPr marL="171450" indent="-171450" algn="l">
+                        <a:lnSpc>
+                          <a:spcPct val="150000"/>
+                        </a:lnSpc>
+                        <a:buFont typeface="Wingdings" panose="05000000000000000000" pitchFamily="2" charset="2"/>
+                        <a:buChar char="q"/>
+                      </a:pPr>
+                      <a:r>
+                        <a:rPr lang="en-US" sz="1200" b="1"/>
+                        <a:t>Datadog</a:t>
+                      </a:r>
+                      <a:r>
+                        <a:rPr lang="en-US" sz="1200"/>
+                        <a:t>, </a:t>
+                      </a:r>
+                      <a:r>
+                        <a:rPr lang="en-US" sz="1200" b="1"/>
+                        <a:t>New Relic</a:t>
+                      </a:r>
+                      <a:endParaRPr lang="en-US" sz="1200"/>
                     </a:p>
                   </a:txBody>
-                  <a:tcPr/>
+                  <a:tcPr anchor="ctr"/>
                 </a:tc>
                 <a:extLst>
                   <a:ext uri="{0D108BD9-81ED-4DB2-BD59-A6C34878D82A}">
@@ -5166,26 +5047,132 @@
                   </a:ext>
                 </a:extLst>
               </a:tr>
-              <a:tr h="370840">
+              <a:tr h="1554480">
                 <a:tc>
                   <a:txBody>
                     <a:bodyPr/>
                     <a:lstStyle/>
                     <a:p>
-                      <a:endParaRPr lang="en-US"/>
+                      <a:pPr algn="l"/>
+                      <a:r>
+                        <a:rPr lang="en-US" sz="1200" b="1"/>
+                        <a:t>🧱 Infrastructure as Code (IaC)</a:t>
+                      </a:r>
+                    </a:p>
+                    <a:p>
+                      <a:pPr marL="628650" lvl="1" indent="-171450" algn="l">
+                        <a:lnSpc>
+                          <a:spcPct val="150000"/>
+                        </a:lnSpc>
+                        <a:buFont typeface="Wingdings" panose="05000000000000000000" pitchFamily="2" charset="2"/>
+                        <a:buChar char="q"/>
+                      </a:pPr>
+                      <a:r>
+                        <a:rPr lang="en-US" sz="1200" b="1"/>
+                        <a:t>Terraform</a:t>
+                      </a:r>
+                      <a:endParaRPr lang="en-US" sz="1200"/>
+                    </a:p>
+                    <a:p>
+                      <a:pPr marL="628650" lvl="1" indent="-171450" algn="l">
+                        <a:lnSpc>
+                          <a:spcPct val="150000"/>
+                        </a:lnSpc>
+                        <a:buFont typeface="Wingdings" panose="05000000000000000000" pitchFamily="2" charset="2"/>
+                        <a:buChar char="q"/>
+                      </a:pPr>
+                      <a:r>
+                        <a:rPr lang="en-US" sz="1200" b="1"/>
+                        <a:t>Ansible</a:t>
+                      </a:r>
+                      <a:endParaRPr lang="en-US" sz="1200"/>
+                    </a:p>
+                    <a:p>
+                      <a:pPr marL="628650" lvl="1" indent="-171450" algn="l">
+                        <a:lnSpc>
+                          <a:spcPct val="150000"/>
+                        </a:lnSpc>
+                        <a:buFont typeface="Wingdings" panose="05000000000000000000" pitchFamily="2" charset="2"/>
+                        <a:buChar char="q"/>
+                      </a:pPr>
+                      <a:r>
+                        <a:rPr lang="en-US" sz="1200" b="1"/>
+                        <a:t>CloudFormation</a:t>
+                      </a:r>
+                      <a:endParaRPr lang="en-US" sz="1200"/>
                     </a:p>
                   </a:txBody>
-                  <a:tcPr/>
+                  <a:tcPr anchor="ctr"/>
                 </a:tc>
                 <a:tc>
                   <a:txBody>
                     <a:bodyPr/>
                     <a:lstStyle/>
                     <a:p>
-                      <a:endParaRPr lang="en-US"/>
+                      <a:pPr algn="l"/>
+                      <a:r>
+                        <a:rPr lang="en-US" sz="1200" b="1"/>
+                        <a:t>🔒 Security</a:t>
+                      </a:r>
+                    </a:p>
+                    <a:p>
+                      <a:pPr marL="171450" indent="-171450" algn="l">
+                        <a:lnSpc>
+                          <a:spcPct val="150000"/>
+                        </a:lnSpc>
+                        <a:buFont typeface="Wingdings" panose="05000000000000000000" pitchFamily="2" charset="2"/>
+                        <a:buChar char="q"/>
+                      </a:pPr>
+                      <a:r>
+                        <a:rPr lang="en-US" sz="1200" b="1"/>
+                        <a:t>UFW, firewalld</a:t>
+                      </a:r>
+                      <a:endParaRPr lang="en-US" sz="1200"/>
+                    </a:p>
+                    <a:p>
+                      <a:pPr marL="171450" indent="-171450" algn="l">
+                        <a:lnSpc>
+                          <a:spcPct val="150000"/>
+                        </a:lnSpc>
+                        <a:buFont typeface="Wingdings" panose="05000000000000000000" pitchFamily="2" charset="2"/>
+                        <a:buChar char="q"/>
+                      </a:pPr>
+                      <a:r>
+                        <a:rPr lang="en-US" sz="1200" b="1"/>
+                        <a:t>SSL / TLS</a:t>
+                      </a:r>
+                      <a:endParaRPr lang="en-US" sz="1200"/>
+                    </a:p>
+                    <a:p>
+                      <a:pPr marL="171450" indent="-171450" algn="l">
+                        <a:lnSpc>
+                          <a:spcPct val="150000"/>
+                        </a:lnSpc>
+                        <a:buFont typeface="Wingdings" panose="05000000000000000000" pitchFamily="2" charset="2"/>
+                        <a:buChar char="q"/>
+                      </a:pPr>
+                      <a:r>
+                        <a:rPr lang="en-US" sz="1200" b="1"/>
+                        <a:t>IAM (Identity &amp; Access Management)</a:t>
+                      </a:r>
+                      <a:endParaRPr lang="en-US" sz="1200"/>
+                    </a:p>
+                    <a:p>
+                      <a:pPr marL="171450" indent="-171450" algn="l">
+                        <a:lnSpc>
+                          <a:spcPct val="150000"/>
+                        </a:lnSpc>
+                        <a:buFont typeface="Wingdings" panose="05000000000000000000" pitchFamily="2" charset="2"/>
+                        <a:buChar char="q"/>
+                      </a:pPr>
+                      <a:r>
+                        <a:rPr lang="en-US" sz="1200" b="1"/>
+                        <a:t>Secrets management (Vault, AWS Secrets Manager)</a:t>
+                      </a:r>
+                      <a:endParaRPr lang="en-US" sz="1200"/>
                     </a:p>
                   </a:txBody>
-                  <a:tcPr/>
+                  <a:tcPr anchor="ctr"/>
                 </a:tc>
                 <a:extLst>
                   <a:ext uri="{0D108BD9-81ED-4DB2-BD59-A6C34878D82A}">
@@ -5215,209 +5202,6 @@
   <p:cSld>
     <p:spTree>
       <p:nvGrpSpPr>
-        <p:cNvPr id="1" name=""/>
-        <p:cNvGrpSpPr/>
-        <p:nvPr/>
-      </p:nvGrpSpPr>
-      <p:grpSpPr>
-        <a:xfrm>
-          <a:off x="0" y="0"/>
-          <a:ext cx="0" cy="0"/>
-          <a:chOff x="0" y="0"/>
-          <a:chExt cx="0" cy="0"/>
-        </a:xfrm>
-      </p:grpSpPr>
-      <p:sp>
-        <p:nvSpPr>
-          <p:cNvPr id="7" name="TextBox 6">
-            <a:extLst>
-              <a:ext uri="{FF2B5EF4-FFF2-40B4-BE49-F238E27FC236}">
-                <a16:creationId xmlns:a16="http://schemas.microsoft.com/office/drawing/2014/main" id="{B0932357-86BD-10D6-6AE2-3B57D9B9B2A8}"/>
-              </a:ext>
-            </a:extLst>
-          </p:cNvPr>
-          <p:cNvSpPr txBox="1"/>
-          <p:nvPr/>
-        </p:nvSpPr>
-        <p:spPr>
-          <a:xfrm>
-            <a:off x="402956" y="244826"/>
-            <a:ext cx="11622789" cy="6001643"/>
-          </a:xfrm>
-          <a:prstGeom prst="rect">
-            <a:avLst/>
-          </a:prstGeom>
-          <a:noFill/>
-        </p:spPr>
-        <p:txBody>
-          <a:bodyPr wrap="square">
-            <a:spAutoFit/>
-          </a:bodyPr>
-          <a:lstStyle/>
-          <a:p>
-            <a:r>
-              <a:rPr lang="az-Latn-AZ" sz="2400" b="1">
-                <a:solidFill>
-                  <a:srgbClr val="FF0000"/>
-                </a:solidFill>
-              </a:rPr>
-              <a:t>Dərslərin keçirilmə ardıcıllığı</a:t>
-            </a:r>
-            <a:r>
-              <a:rPr lang="az-Latn-AZ" sz="2400"/>
-              <a:t>:</a:t>
-            </a:r>
-          </a:p>
-          <a:p>
-            <a:endParaRPr lang="az-Latn-AZ" sz="2400"/>
-          </a:p>
-          <a:p>
-            <a:pPr marL="457200" indent="-457200">
-              <a:buFont typeface="+mj-lt"/>
-              <a:buAutoNum type="arabicPeriod"/>
-            </a:pPr>
-            <a:r>
-              <a:rPr lang="en-US" sz="2400"/>
-              <a:t>Operating systems </a:t>
-            </a:r>
-          </a:p>
-          <a:p>
-            <a:pPr marL="457200" indent="-457200">
-              <a:buFont typeface="+mj-lt"/>
-              <a:buAutoNum type="arabicPeriod"/>
-            </a:pPr>
-            <a:r>
-              <a:rPr lang="en-US" sz="2400"/>
-              <a:t>Servers</a:t>
-            </a:r>
-          </a:p>
-          <a:p>
-            <a:pPr marL="457200" indent="-457200">
-              <a:buFont typeface="+mj-lt"/>
-              <a:buAutoNum type="arabicPeriod"/>
-            </a:pPr>
-            <a:r>
-              <a:rPr lang="en-US" sz="2400"/>
-              <a:t>Cloud providers </a:t>
-            </a:r>
-          </a:p>
-          <a:p>
-            <a:pPr marL="457200" indent="-457200">
-              <a:buFont typeface="+mj-lt"/>
-              <a:buAutoNum type="arabicPeriod"/>
-            </a:pPr>
-            <a:r>
-              <a:rPr lang="en-US" sz="2400"/>
-              <a:t>Containers </a:t>
-            </a:r>
-          </a:p>
-          <a:p>
-            <a:pPr marL="457200" indent="-457200">
-              <a:buFont typeface="+mj-lt"/>
-              <a:buAutoNum type="arabicPeriod"/>
-            </a:pPr>
-            <a:r>
-              <a:rPr lang="en-US" sz="2400"/>
-              <a:t>Git </a:t>
-            </a:r>
-          </a:p>
-          <a:p>
-            <a:pPr marL="457200" indent="-457200">
-              <a:buFont typeface="+mj-lt"/>
-              <a:buAutoNum type="arabicPeriod"/>
-            </a:pPr>
-            <a:r>
-              <a:rPr lang="en-US" sz="2400"/>
-              <a:t>Infrastructure as a code </a:t>
-            </a:r>
-          </a:p>
-          <a:p>
-            <a:pPr marL="457200" indent="-457200">
-              <a:buFont typeface="+mj-lt"/>
-              <a:buAutoNum type="arabicPeriod"/>
-            </a:pPr>
-            <a:r>
-              <a:rPr lang="en-US" sz="2400"/>
-              <a:t>Kubernetes </a:t>
-            </a:r>
-          </a:p>
-          <a:p>
-            <a:pPr marL="457200" indent="-457200">
-              <a:buFont typeface="+mj-lt"/>
-              <a:buAutoNum type="arabicPeriod"/>
-            </a:pPr>
-            <a:r>
-              <a:rPr lang="en-US" sz="2400"/>
-              <a:t>Monitoring &amp; observability (logging) </a:t>
-            </a:r>
-          </a:p>
-          <a:p>
-            <a:pPr marL="457200" indent="-457200">
-              <a:buFont typeface="+mj-lt"/>
-              <a:buAutoNum type="arabicPeriod"/>
-            </a:pPr>
-            <a:r>
-              <a:rPr lang="en-US" sz="2400"/>
-              <a:t>Networking and security </a:t>
-            </a:r>
-          </a:p>
-          <a:p>
-            <a:pPr marL="457200" indent="-457200">
-              <a:buFont typeface="+mj-lt"/>
-              <a:buAutoNum type="arabicPeriod"/>
-            </a:pPr>
-            <a:r>
-              <a:rPr lang="en-US" sz="2400"/>
-              <a:t>Programing language </a:t>
-            </a:r>
-          </a:p>
-          <a:p>
-            <a:pPr marL="457200" indent="-457200">
-              <a:buFont typeface="+mj-lt"/>
-              <a:buAutoNum type="arabicPeriod"/>
-            </a:pPr>
-            <a:r>
-              <a:rPr lang="en-US" sz="2400"/>
-              <a:t>CI &amp; CD</a:t>
-            </a:r>
-          </a:p>
-          <a:p>
-            <a:pPr marL="457200" indent="-457200">
-              <a:buFont typeface="+mj-lt"/>
-              <a:buAutoNum type="arabicPeriod"/>
-            </a:pPr>
-            <a:r>
-              <a:rPr lang="en-US" sz="2400"/>
-              <a:t>Software engineering practices </a:t>
-            </a:r>
-            <a:endParaRPr lang="az-Latn-AZ" sz="2400"/>
-          </a:p>
-          <a:p>
-            <a:endParaRPr lang="az-Latn-AZ" sz="2400"/>
-          </a:p>
-          <a:p>
-            <a:endParaRPr lang="en-US" sz="2400"/>
-          </a:p>
-        </p:txBody>
-      </p:sp>
-    </p:spTree>
-    <p:extLst>
-      <p:ext uri="{BB962C8B-B14F-4D97-AF65-F5344CB8AC3E}">
-        <p14:creationId xmlns:p14="http://schemas.microsoft.com/office/powerpoint/2010/main" val="3612794854"/>
-      </p:ext>
-    </p:extLst>
-  </p:cSld>
-  <p:clrMapOvr>
-    <a:masterClrMapping/>
-  </p:clrMapOvr>
-</p:sld>
-</file>
-
-<file path=ppt/slides/slide5.xml><?xml version="1.0" encoding="utf-8"?>
-<p:sld xmlns:a="http://schemas.openxmlformats.org/drawingml/2006/main" xmlns:r="http://schemas.openxmlformats.org/officeDocument/2006/relationships" xmlns:p="http://schemas.openxmlformats.org/presentationml/2006/main">
-  <p:cSld>
-    <p:spTree>
-      <p:nvGrpSpPr>
         <p:cNvPr id="1" name="">
           <a:extLst>
             <a:ext uri="{FF2B5EF4-FFF2-40B4-BE49-F238E27FC236}">
@@ -5451,7 +5235,7 @@
         <p:spPr>
           <a:xfrm>
             <a:off x="203200" y="244826"/>
-            <a:ext cx="11822545" cy="276999"/>
+            <a:ext cx="11822545" cy="369332"/>
           </a:xfrm>
           <a:prstGeom prst="rect">
             <a:avLst/>
@@ -5465,13 +5249,652 @@
           <a:lstStyle/>
           <a:p>
             <a:r>
-              <a:rPr lang="az-Latn-AZ" sz="1200"/>
-              <a:t>.</a:t>
-            </a:r>
-            <a:endParaRPr lang="en-US" sz="1200"/>
-          </a:p>
-        </p:txBody>
-      </p:sp>
+              <a:rPr lang="az-Latn-AZ" b="1"/>
+              <a:t>DevOps</a:t>
+            </a:r>
+            <a:r>
+              <a:rPr lang="az-Latn-AZ"/>
+              <a:t> və </a:t>
+            </a:r>
+            <a:r>
+              <a:rPr lang="az-Latn-AZ" b="1"/>
+              <a:t>Developer</a:t>
+            </a:r>
+            <a:r>
+              <a:rPr lang="az-Latn-AZ"/>
+              <a:t> fərqi</a:t>
+            </a:r>
+            <a:endParaRPr lang="en-US"/>
+          </a:p>
+        </p:txBody>
+      </p:sp>
+      <p:graphicFrame>
+        <p:nvGraphicFramePr>
+          <p:cNvPr id="2" name="Table 1">
+            <a:extLst>
+              <a:ext uri="{FF2B5EF4-FFF2-40B4-BE49-F238E27FC236}">
+                <a16:creationId xmlns:a16="http://schemas.microsoft.com/office/drawing/2014/main" id="{5CB1C98E-0CC2-86FE-07C3-FBD5722D63C1}"/>
+              </a:ext>
+            </a:extLst>
+          </p:cNvPr>
+          <p:cNvGraphicFramePr>
+            <a:graphicFrameLocks noGrp="1"/>
+          </p:cNvGraphicFramePr>
+          <p:nvPr>
+            <p:extLst>
+              <p:ext uri="{D42A27DB-BD31-4B8C-83A1-F6EECF244321}">
+                <p14:modId xmlns:p14="http://schemas.microsoft.com/office/powerpoint/2010/main" val="465243065"/>
+              </p:ext>
+            </p:extLst>
+          </p:nvPr>
+        </p:nvGraphicFramePr>
+        <p:xfrm>
+          <a:off x="856672" y="1882882"/>
+          <a:ext cx="10515600" cy="3092235"/>
+        </p:xfrm>
+        <a:graphic>
+          <a:graphicData uri="http://schemas.openxmlformats.org/drawingml/2006/table">
+            <a:tbl>
+              <a:tblPr/>
+              <a:tblGrid>
+                <a:gridCol w="5257800">
+                  <a:extLst>
+                    <a:ext uri="{9D8B030D-6E8A-4147-A177-3AD203B41FA5}">
+                      <a16:colId xmlns:a16="http://schemas.microsoft.com/office/drawing/2014/main" val="3600994797"/>
+                    </a:ext>
+                  </a:extLst>
+                </a:gridCol>
+                <a:gridCol w="5257800">
+                  <a:extLst>
+                    <a:ext uri="{9D8B030D-6E8A-4147-A177-3AD203B41FA5}">
+                      <a16:colId xmlns:a16="http://schemas.microsoft.com/office/drawing/2014/main" val="1943604628"/>
+                    </a:ext>
+                  </a:extLst>
+                </a:gridCol>
+              </a:tblGrid>
+              <a:tr h="618447">
+                <a:tc>
+                  <a:txBody>
+                    <a:bodyPr/>
+                    <a:lstStyle/>
+                    <a:p>
+                      <a:pPr>
+                        <a:buNone/>
+                      </a:pPr>
+                      <a:r>
+                        <a:rPr lang="en-US" b="1"/>
+                        <a:t>Developer</a:t>
+                      </a:r>
+                    </a:p>
+                  </a:txBody>
+                  <a:tcPr anchor="ctr">
+                    <a:lnL w="12700" cap="flat" cmpd="sng" algn="ctr">
+                      <a:solidFill>
+                        <a:schemeClr val="tx1"/>
+                      </a:solidFill>
+                      <a:prstDash val="solid"/>
+                      <a:round/>
+                      <a:headEnd type="none" w="med" len="med"/>
+                      <a:tailEnd type="none" w="med" len="med"/>
+                    </a:lnL>
+                    <a:lnR w="12700" cap="flat" cmpd="sng" algn="ctr">
+                      <a:solidFill>
+                        <a:schemeClr val="tx1"/>
+                      </a:solidFill>
+                      <a:prstDash val="solid"/>
+                      <a:round/>
+                      <a:headEnd type="none" w="med" len="med"/>
+                      <a:tailEnd type="none" w="med" len="med"/>
+                    </a:lnR>
+                    <a:lnT w="12700" cap="flat" cmpd="sng" algn="ctr">
+                      <a:solidFill>
+                        <a:schemeClr val="tx1"/>
+                      </a:solidFill>
+                      <a:prstDash val="solid"/>
+                      <a:round/>
+                      <a:headEnd type="none" w="med" len="med"/>
+                      <a:tailEnd type="none" w="med" len="med"/>
+                    </a:lnT>
+                    <a:lnB w="12700" cap="flat" cmpd="sng" algn="ctr">
+                      <a:solidFill>
+                        <a:schemeClr val="tx1"/>
+                      </a:solidFill>
+                      <a:prstDash val="solid"/>
+                      <a:round/>
+                      <a:headEnd type="none" w="med" len="med"/>
+                      <a:tailEnd type="none" w="med" len="med"/>
+                    </a:lnB>
+                    <a:solidFill>
+                      <a:schemeClr val="accent2"/>
+                    </a:solidFill>
+                  </a:tcPr>
+                </a:tc>
+                <a:tc>
+                  <a:txBody>
+                    <a:bodyPr/>
+                    <a:lstStyle/>
+                    <a:p>
+                      <a:pPr>
+                        <a:buNone/>
+                      </a:pPr>
+                      <a:r>
+                        <a:rPr lang="en-US" b="1"/>
+                        <a:t>DevOps</a:t>
+                      </a:r>
+                    </a:p>
+                  </a:txBody>
+                  <a:tcPr anchor="ctr">
+                    <a:lnL w="12700" cap="flat" cmpd="sng" algn="ctr">
+                      <a:solidFill>
+                        <a:schemeClr val="tx1"/>
+                      </a:solidFill>
+                      <a:prstDash val="solid"/>
+                      <a:round/>
+                      <a:headEnd type="none" w="med" len="med"/>
+                      <a:tailEnd type="none" w="med" len="med"/>
+                    </a:lnL>
+                    <a:lnR w="12700" cap="flat" cmpd="sng" algn="ctr">
+                      <a:solidFill>
+                        <a:schemeClr val="tx1"/>
+                      </a:solidFill>
+                      <a:prstDash val="solid"/>
+                      <a:round/>
+                      <a:headEnd type="none" w="med" len="med"/>
+                      <a:tailEnd type="none" w="med" len="med"/>
+                    </a:lnR>
+                    <a:lnT w="12700" cap="flat" cmpd="sng" algn="ctr">
+                      <a:solidFill>
+                        <a:schemeClr val="tx1"/>
+                      </a:solidFill>
+                      <a:prstDash val="solid"/>
+                      <a:round/>
+                      <a:headEnd type="none" w="med" len="med"/>
+                      <a:tailEnd type="none" w="med" len="med"/>
+                    </a:lnT>
+                    <a:lnB w="12700" cap="flat" cmpd="sng" algn="ctr">
+                      <a:solidFill>
+                        <a:schemeClr val="tx1"/>
+                      </a:solidFill>
+                      <a:prstDash val="solid"/>
+                      <a:round/>
+                      <a:headEnd type="none" w="med" len="med"/>
+                      <a:tailEnd type="none" w="med" len="med"/>
+                    </a:lnB>
+                    <a:solidFill>
+                      <a:schemeClr val="accent2"/>
+                    </a:solidFill>
+                  </a:tcPr>
+                </a:tc>
+                <a:extLst>
+                  <a:ext uri="{0D108BD9-81ED-4DB2-BD59-A6C34878D82A}">
+                    <a16:rowId xmlns:a16="http://schemas.microsoft.com/office/drawing/2014/main" val="1799789521"/>
+                  </a:ext>
+                </a:extLst>
+              </a:tr>
+              <a:tr h="618447">
+                <a:tc>
+                  <a:txBody>
+                    <a:bodyPr/>
+                    <a:lstStyle/>
+                    <a:p>
+                      <a:pPr>
+                        <a:buNone/>
+                      </a:pPr>
+                      <a:r>
+                        <a:rPr lang="en-US"/>
+                        <a:t>Kod yazır (frontend/backend)</a:t>
+                      </a:r>
+                    </a:p>
+                  </a:txBody>
+                  <a:tcPr anchor="ctr">
+                    <a:lnL w="12700" cap="flat" cmpd="sng" algn="ctr">
+                      <a:solidFill>
+                        <a:schemeClr val="tx1"/>
+                      </a:solidFill>
+                      <a:prstDash val="solid"/>
+                      <a:round/>
+                      <a:headEnd type="none" w="med" len="med"/>
+                      <a:tailEnd type="none" w="med" len="med"/>
+                    </a:lnL>
+                    <a:lnR w="12700" cap="flat" cmpd="sng" algn="ctr">
+                      <a:solidFill>
+                        <a:schemeClr val="tx1"/>
+                      </a:solidFill>
+                      <a:prstDash val="solid"/>
+                      <a:round/>
+                      <a:headEnd type="none" w="med" len="med"/>
+                      <a:tailEnd type="none" w="med" len="med"/>
+                    </a:lnR>
+                    <a:lnT w="12700" cap="flat" cmpd="sng" algn="ctr">
+                      <a:solidFill>
+                        <a:schemeClr val="tx1"/>
+                      </a:solidFill>
+                      <a:prstDash val="solid"/>
+                      <a:round/>
+                      <a:headEnd type="none" w="med" len="med"/>
+                      <a:tailEnd type="none" w="med" len="med"/>
+                    </a:lnT>
+                    <a:lnB w="12700" cap="flat" cmpd="sng" algn="ctr">
+                      <a:solidFill>
+                        <a:schemeClr val="tx1"/>
+                      </a:solidFill>
+                      <a:prstDash val="solid"/>
+                      <a:round/>
+                      <a:headEnd type="none" w="med" len="med"/>
+                      <a:tailEnd type="none" w="med" len="med"/>
+                    </a:lnB>
+                    <a:noFill/>
+                  </a:tcPr>
+                </a:tc>
+                <a:tc>
+                  <a:txBody>
+                    <a:bodyPr/>
+                    <a:lstStyle/>
+                    <a:p>
+                      <a:pPr>
+                        <a:buNone/>
+                      </a:pPr>
+                      <a:r>
+                        <a:rPr lang="en-US"/>
+                        <a:t>Kodun işlədiyi infrastruktur və mühitləri idarə edir</a:t>
+                      </a:r>
+                    </a:p>
+                  </a:txBody>
+                  <a:tcPr anchor="ctr">
+                    <a:lnL w="12700" cap="flat" cmpd="sng" algn="ctr">
+                      <a:solidFill>
+                        <a:schemeClr val="tx1"/>
+                      </a:solidFill>
+                      <a:prstDash val="solid"/>
+                      <a:round/>
+                      <a:headEnd type="none" w="med" len="med"/>
+                      <a:tailEnd type="none" w="med" len="med"/>
+                    </a:lnL>
+                    <a:lnR w="12700" cap="flat" cmpd="sng" algn="ctr">
+                      <a:solidFill>
+                        <a:schemeClr val="tx1"/>
+                      </a:solidFill>
+                      <a:prstDash val="solid"/>
+                      <a:round/>
+                      <a:headEnd type="none" w="med" len="med"/>
+                      <a:tailEnd type="none" w="med" len="med"/>
+                    </a:lnR>
+                    <a:lnT w="12700" cap="flat" cmpd="sng" algn="ctr">
+                      <a:solidFill>
+                        <a:schemeClr val="tx1"/>
+                      </a:solidFill>
+                      <a:prstDash val="solid"/>
+                      <a:round/>
+                      <a:headEnd type="none" w="med" len="med"/>
+                      <a:tailEnd type="none" w="med" len="med"/>
+                    </a:lnT>
+                    <a:lnB w="12700" cap="flat" cmpd="sng" algn="ctr">
+                      <a:solidFill>
+                        <a:schemeClr val="tx1"/>
+                      </a:solidFill>
+                      <a:prstDash val="solid"/>
+                      <a:round/>
+                      <a:headEnd type="none" w="med" len="med"/>
+                      <a:tailEnd type="none" w="med" len="med"/>
+                    </a:lnB>
+                    <a:noFill/>
+                  </a:tcPr>
+                </a:tc>
+                <a:extLst>
+                  <a:ext uri="{0D108BD9-81ED-4DB2-BD59-A6C34878D82A}">
+                    <a16:rowId xmlns:a16="http://schemas.microsoft.com/office/drawing/2014/main" val="2787309069"/>
+                  </a:ext>
+                </a:extLst>
+              </a:tr>
+              <a:tr h="618447">
+                <a:tc>
+                  <a:txBody>
+                    <a:bodyPr/>
+                    <a:lstStyle/>
+                    <a:p>
+                      <a:pPr>
+                        <a:buNone/>
+                      </a:pPr>
+                      <a:r>
+                        <a:rPr lang="en-US"/>
+                        <a:t>Fokus: proqram loqikası</a:t>
+                      </a:r>
+                    </a:p>
+                  </a:txBody>
+                  <a:tcPr anchor="ctr">
+                    <a:lnL w="12700" cap="flat" cmpd="sng" algn="ctr">
+                      <a:solidFill>
+                        <a:schemeClr val="tx1"/>
+                      </a:solidFill>
+                      <a:prstDash val="solid"/>
+                      <a:round/>
+                      <a:headEnd type="none" w="med" len="med"/>
+                      <a:tailEnd type="none" w="med" len="med"/>
+                    </a:lnL>
+                    <a:lnR w="12700" cap="flat" cmpd="sng" algn="ctr">
+                      <a:solidFill>
+                        <a:schemeClr val="tx1"/>
+                      </a:solidFill>
+                      <a:prstDash val="solid"/>
+                      <a:round/>
+                      <a:headEnd type="none" w="med" len="med"/>
+                      <a:tailEnd type="none" w="med" len="med"/>
+                    </a:lnR>
+                    <a:lnT w="12700" cap="flat" cmpd="sng" algn="ctr">
+                      <a:solidFill>
+                        <a:schemeClr val="tx1"/>
+                      </a:solidFill>
+                      <a:prstDash val="solid"/>
+                      <a:round/>
+                      <a:headEnd type="none" w="med" len="med"/>
+                      <a:tailEnd type="none" w="med" len="med"/>
+                    </a:lnT>
+                    <a:lnB w="12700" cap="flat" cmpd="sng" algn="ctr">
+                      <a:solidFill>
+                        <a:schemeClr val="tx1"/>
+                      </a:solidFill>
+                      <a:prstDash val="solid"/>
+                      <a:round/>
+                      <a:headEnd type="none" w="med" len="med"/>
+                      <a:tailEnd type="none" w="med" len="med"/>
+                    </a:lnB>
+                    <a:noFill/>
+                  </a:tcPr>
+                </a:tc>
+                <a:tc>
+                  <a:txBody>
+                    <a:bodyPr/>
+                    <a:lstStyle/>
+                    <a:p>
+                      <a:pPr>
+                        <a:buNone/>
+                      </a:pPr>
+                      <a:r>
+                        <a:rPr lang="en-US"/>
+                        <a:t>Fokus: sistemin davamlılığı və avtomatlaşdırma</a:t>
+                      </a:r>
+                    </a:p>
+                  </a:txBody>
+                  <a:tcPr anchor="ctr">
+                    <a:lnL w="12700" cap="flat" cmpd="sng" algn="ctr">
+                      <a:solidFill>
+                        <a:schemeClr val="tx1"/>
+                      </a:solidFill>
+                      <a:prstDash val="solid"/>
+                      <a:round/>
+                      <a:headEnd type="none" w="med" len="med"/>
+                      <a:tailEnd type="none" w="med" len="med"/>
+                    </a:lnL>
+                    <a:lnR w="12700" cap="flat" cmpd="sng" algn="ctr">
+                      <a:solidFill>
+                        <a:schemeClr val="tx1"/>
+                      </a:solidFill>
+                      <a:prstDash val="solid"/>
+                      <a:round/>
+                      <a:headEnd type="none" w="med" len="med"/>
+                      <a:tailEnd type="none" w="med" len="med"/>
+                    </a:lnR>
+                    <a:lnT w="12700" cap="flat" cmpd="sng" algn="ctr">
+                      <a:solidFill>
+                        <a:schemeClr val="tx1"/>
+                      </a:solidFill>
+                      <a:prstDash val="solid"/>
+                      <a:round/>
+                      <a:headEnd type="none" w="med" len="med"/>
+                      <a:tailEnd type="none" w="med" len="med"/>
+                    </a:lnT>
+                    <a:lnB w="12700" cap="flat" cmpd="sng" algn="ctr">
+                      <a:solidFill>
+                        <a:schemeClr val="tx1"/>
+                      </a:solidFill>
+                      <a:prstDash val="solid"/>
+                      <a:round/>
+                      <a:headEnd type="none" w="med" len="med"/>
+                      <a:tailEnd type="none" w="med" len="med"/>
+                    </a:lnB>
+                    <a:noFill/>
+                  </a:tcPr>
+                </a:tc>
+                <a:extLst>
+                  <a:ext uri="{0D108BD9-81ED-4DB2-BD59-A6C34878D82A}">
+                    <a16:rowId xmlns:a16="http://schemas.microsoft.com/office/drawing/2014/main" val="712553328"/>
+                  </a:ext>
+                </a:extLst>
+              </a:tr>
+              <a:tr h="618447">
+                <a:tc>
+                  <a:txBody>
+                    <a:bodyPr/>
+                    <a:lstStyle/>
+                    <a:p>
+                      <a:pPr>
+                        <a:buNone/>
+                      </a:pPr>
+                      <a:r>
+                        <a:rPr lang="en-US"/>
+                        <a:t>Məs: Laravel, React, Django</a:t>
+                      </a:r>
+                    </a:p>
+                  </a:txBody>
+                  <a:tcPr anchor="ctr">
+                    <a:lnL w="12700" cap="flat" cmpd="sng" algn="ctr">
+                      <a:solidFill>
+                        <a:schemeClr val="tx1"/>
+                      </a:solidFill>
+                      <a:prstDash val="solid"/>
+                      <a:round/>
+                      <a:headEnd type="none" w="med" len="med"/>
+                      <a:tailEnd type="none" w="med" len="med"/>
+                    </a:lnL>
+                    <a:lnR w="12700" cap="flat" cmpd="sng" algn="ctr">
+                      <a:solidFill>
+                        <a:schemeClr val="tx1"/>
+                      </a:solidFill>
+                      <a:prstDash val="solid"/>
+                      <a:round/>
+                      <a:headEnd type="none" w="med" len="med"/>
+                      <a:tailEnd type="none" w="med" len="med"/>
+                    </a:lnR>
+                    <a:lnT w="12700" cap="flat" cmpd="sng" algn="ctr">
+                      <a:solidFill>
+                        <a:schemeClr val="tx1"/>
+                      </a:solidFill>
+                      <a:prstDash val="solid"/>
+                      <a:round/>
+                      <a:headEnd type="none" w="med" len="med"/>
+                      <a:tailEnd type="none" w="med" len="med"/>
+                    </a:lnT>
+                    <a:lnB w="12700" cap="flat" cmpd="sng" algn="ctr">
+                      <a:solidFill>
+                        <a:schemeClr val="tx1"/>
+                      </a:solidFill>
+                      <a:prstDash val="solid"/>
+                      <a:round/>
+                      <a:headEnd type="none" w="med" len="med"/>
+                      <a:tailEnd type="none" w="med" len="med"/>
+                    </a:lnB>
+                    <a:noFill/>
+                  </a:tcPr>
+                </a:tc>
+                <a:tc>
+                  <a:txBody>
+                    <a:bodyPr/>
+                    <a:lstStyle/>
+                    <a:p>
+                      <a:pPr>
+                        <a:buNone/>
+                      </a:pPr>
+                      <a:r>
+                        <a:rPr lang="en-US"/>
+                        <a:t>Məs: Docker, Nginx, Jenkins, Terraform</a:t>
+                      </a:r>
+                    </a:p>
+                  </a:txBody>
+                  <a:tcPr anchor="ctr">
+                    <a:lnL w="12700" cap="flat" cmpd="sng" algn="ctr">
+                      <a:solidFill>
+                        <a:schemeClr val="tx1"/>
+                      </a:solidFill>
+                      <a:prstDash val="solid"/>
+                      <a:round/>
+                      <a:headEnd type="none" w="med" len="med"/>
+                      <a:tailEnd type="none" w="med" len="med"/>
+                    </a:lnL>
+                    <a:lnR w="12700" cap="flat" cmpd="sng" algn="ctr">
+                      <a:solidFill>
+                        <a:schemeClr val="tx1"/>
+                      </a:solidFill>
+                      <a:prstDash val="solid"/>
+                      <a:round/>
+                      <a:headEnd type="none" w="med" len="med"/>
+                      <a:tailEnd type="none" w="med" len="med"/>
+                    </a:lnR>
+                    <a:lnT w="12700" cap="flat" cmpd="sng" algn="ctr">
+                      <a:solidFill>
+                        <a:schemeClr val="tx1"/>
+                      </a:solidFill>
+                      <a:prstDash val="solid"/>
+                      <a:round/>
+                      <a:headEnd type="none" w="med" len="med"/>
+                      <a:tailEnd type="none" w="med" len="med"/>
+                    </a:lnT>
+                    <a:lnB w="12700" cap="flat" cmpd="sng" algn="ctr">
+                      <a:solidFill>
+                        <a:schemeClr val="tx1"/>
+                      </a:solidFill>
+                      <a:prstDash val="solid"/>
+                      <a:round/>
+                      <a:headEnd type="none" w="med" len="med"/>
+                      <a:tailEnd type="none" w="med" len="med"/>
+                    </a:lnB>
+                    <a:noFill/>
+                  </a:tcPr>
+                </a:tc>
+                <a:extLst>
+                  <a:ext uri="{0D108BD9-81ED-4DB2-BD59-A6C34878D82A}">
+                    <a16:rowId xmlns:a16="http://schemas.microsoft.com/office/drawing/2014/main" val="2856239407"/>
+                  </a:ext>
+                </a:extLst>
+              </a:tr>
+              <a:tr h="618447">
+                <a:tc>
+                  <a:txBody>
+                    <a:bodyPr/>
+                    <a:lstStyle/>
+                    <a:p>
+                      <a:pPr>
+                        <a:buNone/>
+                      </a:pPr>
+                      <a:r>
+                        <a:rPr lang="en-US"/>
+                        <a:t>Lokal mühitdə işləyir</a:t>
+                      </a:r>
+                    </a:p>
+                  </a:txBody>
+                  <a:tcPr anchor="ctr">
+                    <a:lnL w="12700" cap="flat" cmpd="sng" algn="ctr">
+                      <a:solidFill>
+                        <a:schemeClr val="tx1"/>
+                      </a:solidFill>
+                      <a:prstDash val="solid"/>
+                      <a:round/>
+                      <a:headEnd type="none" w="med" len="med"/>
+                      <a:tailEnd type="none" w="med" len="med"/>
+                    </a:lnL>
+                    <a:lnR w="12700" cap="flat" cmpd="sng" algn="ctr">
+                      <a:solidFill>
+                        <a:schemeClr val="tx1"/>
+                      </a:solidFill>
+                      <a:prstDash val="solid"/>
+                      <a:round/>
+                      <a:headEnd type="none" w="med" len="med"/>
+                      <a:tailEnd type="none" w="med" len="med"/>
+                    </a:lnR>
+                    <a:lnT w="12700" cap="flat" cmpd="sng" algn="ctr">
+                      <a:solidFill>
+                        <a:schemeClr val="tx1"/>
+                      </a:solidFill>
+                      <a:prstDash val="solid"/>
+                      <a:round/>
+                      <a:headEnd type="none" w="med" len="med"/>
+                      <a:tailEnd type="none" w="med" len="med"/>
+                    </a:lnT>
+                    <a:lnB w="12700" cap="flat" cmpd="sng" algn="ctr">
+                      <a:solidFill>
+                        <a:schemeClr val="tx1"/>
+                      </a:solidFill>
+                      <a:prstDash val="solid"/>
+                      <a:round/>
+                      <a:headEnd type="none" w="med" len="med"/>
+                      <a:tailEnd type="none" w="med" len="med"/>
+                    </a:lnB>
+                    <a:noFill/>
+                  </a:tcPr>
+                </a:tc>
+                <a:tc>
+                  <a:txBody>
+                    <a:bodyPr/>
+                    <a:lstStyle/>
+                    <a:p>
+                      <a:pPr>
+                        <a:buNone/>
+                      </a:pPr>
+                      <a:r>
+                        <a:rPr lang="en-US"/>
+                        <a:t>Cloud və server mühitində işləyir</a:t>
+                      </a:r>
+                    </a:p>
+                  </a:txBody>
+                  <a:tcPr anchor="ctr">
+                    <a:lnL w="12700" cap="flat" cmpd="sng" algn="ctr">
+                      <a:solidFill>
+                        <a:schemeClr val="tx1"/>
+                      </a:solidFill>
+                      <a:prstDash val="solid"/>
+                      <a:round/>
+                      <a:headEnd type="none" w="med" len="med"/>
+                      <a:tailEnd type="none" w="med" len="med"/>
+                    </a:lnL>
+                    <a:lnR w="12700" cap="flat" cmpd="sng" algn="ctr">
+                      <a:solidFill>
+                        <a:schemeClr val="tx1"/>
+                      </a:solidFill>
+                      <a:prstDash val="solid"/>
+                      <a:round/>
+                      <a:headEnd type="none" w="med" len="med"/>
+                      <a:tailEnd type="none" w="med" len="med"/>
+                    </a:lnR>
+                    <a:lnT w="12700" cap="flat" cmpd="sng" algn="ctr">
+                      <a:solidFill>
+                        <a:schemeClr val="tx1"/>
+                      </a:solidFill>
+                      <a:prstDash val="solid"/>
+                      <a:round/>
+                      <a:headEnd type="none" w="med" len="med"/>
+                      <a:tailEnd type="none" w="med" len="med"/>
+                    </a:lnT>
+                    <a:lnB w="12700" cap="flat" cmpd="sng" algn="ctr">
+                      <a:solidFill>
+                        <a:schemeClr val="tx1"/>
+                      </a:solidFill>
+                      <a:prstDash val="solid"/>
+                      <a:round/>
+                      <a:headEnd type="none" w="med" len="med"/>
+                      <a:tailEnd type="none" w="med" len="med"/>
+                    </a:lnB>
+                    <a:noFill/>
+                  </a:tcPr>
+                </a:tc>
+                <a:extLst>
+                  <a:ext uri="{0D108BD9-81ED-4DB2-BD59-A6C34878D82A}">
+                    <a16:rowId xmlns:a16="http://schemas.microsoft.com/office/drawing/2014/main" val="4019538758"/>
+                  </a:ext>
+                </a:extLst>
+              </a:tr>
+            </a:tbl>
+          </a:graphicData>
+        </a:graphic>
+      </p:graphicFrame>
     </p:spTree>
     <p:extLst>
       <p:ext uri="{BB962C8B-B14F-4D97-AF65-F5344CB8AC3E}">
@@ -5485,7 +5908,7 @@
 </p:sld>
 </file>
 
-<file path=ppt/slides/slide6.xml><?xml version="1.0" encoding="utf-8"?>
+<file path=ppt/slides/slide5.xml><?xml version="1.0" encoding="utf-8"?>
 <p:sld xmlns:a="http://schemas.openxmlformats.org/drawingml/2006/main" xmlns:r="http://schemas.openxmlformats.org/officeDocument/2006/relationships" xmlns:p="http://schemas.openxmlformats.org/presentationml/2006/main">
   <p:cSld>
     <p:spTree>
@@ -5523,7 +5946,7 @@
         <p:spPr>
           <a:xfrm>
             <a:off x="203200" y="244826"/>
-            <a:ext cx="11822545" cy="276999"/>
+            <a:ext cx="11822545" cy="5632311"/>
           </a:xfrm>
           <a:prstGeom prst="rect">
             <a:avLst/>
@@ -5537,10 +5960,156 @@
           <a:lstStyle/>
           <a:p>
             <a:r>
-              <a:rPr lang="az-Latn-AZ" sz="1200"/>
+              <a:rPr lang="en-US" b="1"/>
+              <a:t>Real həyatdan nümunə</a:t>
+            </a:r>
+            <a:endParaRPr lang="az-Latn-AZ" b="1"/>
+          </a:p>
+          <a:p>
+            <a:endParaRPr lang="en-US" b="1"/>
+          </a:p>
+          <a:p>
+            <a:r>
+              <a:rPr lang="en-US"/>
+              <a:t>Tutaq ki, sən Laravel + Vue ilə veb platforma hazırlayırsan.</a:t>
+            </a:r>
+          </a:p>
+          <a:p>
+            <a:r>
+              <a:rPr lang="en-US" b="1"/>
+              <a:t>Developer</a:t>
+            </a:r>
+            <a:r>
+              <a:rPr lang="en-US"/>
+              <a:t> kodu yazır, test edir və git push edir.</a:t>
+            </a:r>
+            <a:endParaRPr lang="az-Latn-AZ"/>
+          </a:p>
+          <a:p>
+            <a:endParaRPr lang="en-US"/>
+          </a:p>
+          <a:p>
+            <a:r>
+              <a:rPr lang="en-US" b="1"/>
+              <a:t>DevOps</a:t>
+            </a:r>
+            <a:r>
+              <a:rPr lang="en-US"/>
+              <a:t> isə belə bir avtomatlaşdırma qurur:</a:t>
+            </a:r>
+          </a:p>
+          <a:p>
+            <a:pPr marL="742950" lvl="1" indent="-285750">
+              <a:lnSpc>
+                <a:spcPct val="200000"/>
+              </a:lnSpc>
+              <a:buFont typeface="Wingdings" panose="05000000000000000000" pitchFamily="2" charset="2"/>
+              <a:buChar char="ü"/>
+            </a:pPr>
+            <a:r>
+              <a:rPr lang="en-US"/>
+              <a:t>Git-də yeni commit gələn kimi Jenkins/GitHub Actions </a:t>
+            </a:r>
+            <a:r>
+              <a:rPr lang="en-US" b="1"/>
+              <a:t>CI/CD pipeline</a:t>
+            </a:r>
+            <a:r>
+              <a:rPr lang="en-US"/>
+              <a:t>-ı işə düşür.</a:t>
+            </a:r>
+          </a:p>
+          <a:p>
+            <a:pPr marL="742950" lvl="1" indent="-285750">
+              <a:lnSpc>
+                <a:spcPct val="200000"/>
+              </a:lnSpc>
+              <a:buFont typeface="Wingdings" panose="05000000000000000000" pitchFamily="2" charset="2"/>
+              <a:buChar char="ü"/>
+            </a:pPr>
+            <a:r>
+              <a:rPr lang="en-US"/>
+              <a:t>Kod </a:t>
+            </a:r>
+            <a:r>
+              <a:rPr lang="en-US" b="1"/>
+              <a:t>build edilir</a:t>
+            </a:r>
+            <a:r>
+              <a:rPr lang="en-US"/>
+              <a:t> (composer install, npm run build).</a:t>
+            </a:r>
+          </a:p>
+          <a:p>
+            <a:pPr marL="742950" lvl="1" indent="-285750">
+              <a:lnSpc>
+                <a:spcPct val="200000"/>
+              </a:lnSpc>
+              <a:buFont typeface="Wingdings" panose="05000000000000000000" pitchFamily="2" charset="2"/>
+              <a:buChar char="ü"/>
+            </a:pPr>
+            <a:r>
+              <a:rPr lang="en-US"/>
+              <a:t>Docker image yaradılır və serverə </a:t>
+            </a:r>
+            <a:r>
+              <a:rPr lang="en-US" b="1"/>
+              <a:t>deploy olunur</a:t>
+            </a:r>
+            <a:r>
+              <a:rPr lang="en-US"/>
               <a:t>.</a:t>
             </a:r>
-            <a:endParaRPr lang="en-US" sz="1200"/>
+          </a:p>
+          <a:p>
+            <a:pPr marL="742950" lvl="1" indent="-285750">
+              <a:lnSpc>
+                <a:spcPct val="200000"/>
+              </a:lnSpc>
+              <a:buFont typeface="Wingdings" panose="05000000000000000000" pitchFamily="2" charset="2"/>
+              <a:buChar char="ü"/>
+            </a:pPr>
+            <a:r>
+              <a:rPr lang="en-US"/>
+              <a:t>Nginx reverse proxy vasitəsilə trafiki yönləndirir.</a:t>
+            </a:r>
+          </a:p>
+          <a:p>
+            <a:pPr marL="742950" lvl="1" indent="-285750">
+              <a:lnSpc>
+                <a:spcPct val="200000"/>
+              </a:lnSpc>
+              <a:buFont typeface="Wingdings" panose="05000000000000000000" pitchFamily="2" charset="2"/>
+              <a:buChar char="ü"/>
+            </a:pPr>
+            <a:r>
+              <a:rPr lang="en-US"/>
+              <a:t>Prometheus &amp; Grafana sistem performansını izləyir.</a:t>
+            </a:r>
+          </a:p>
+          <a:p>
+            <a:pPr marL="742950" lvl="1" indent="-285750">
+              <a:lnSpc>
+                <a:spcPct val="200000"/>
+              </a:lnSpc>
+              <a:buFont typeface="Wingdings" panose="05000000000000000000" pitchFamily="2" charset="2"/>
+              <a:buChar char="ü"/>
+            </a:pPr>
+            <a:r>
+              <a:rPr lang="en-US"/>
+              <a:t>Xəta baş verərsə Slack / Telegram üzərindən xəbərdarlıq göndərilir.</a:t>
+            </a:r>
+            <a:endParaRPr lang="az-Latn-AZ"/>
+          </a:p>
+          <a:p>
+            <a:pPr lvl="1"/>
+            <a:endParaRPr lang="en-US"/>
+          </a:p>
+          <a:p>
+            <a:r>
+              <a:rPr lang="en-US"/>
+              <a:t>Yəni sən kodu push edirsən → DevOps avtomatik hər şeyi edir → sayt production-a çıxır </a:t>
+            </a:r>
           </a:p>
         </p:txBody>
       </p:sp>
@@ -5557,7 +6126,7 @@
 </p:sld>
 </file>
 
-<file path=ppt/slides/slide7.xml><?xml version="1.0" encoding="utf-8"?>
+<file path=ppt/slides/slide6.xml><?xml version="1.0" encoding="utf-8"?>
 <p:sld xmlns:a="http://schemas.openxmlformats.org/drawingml/2006/main" xmlns:r="http://schemas.openxmlformats.org/officeDocument/2006/relationships" xmlns:p="http://schemas.openxmlformats.org/presentationml/2006/main">
   <p:cSld>
     <p:spTree>
@@ -5629,7 +6198,7 @@
 </p:sld>
 </file>
 
-<file path=ppt/slides/slide8.xml><?xml version="1.0" encoding="utf-8"?>
+<file path=ppt/slides/slide7.xml><?xml version="1.0" encoding="utf-8"?>
 <p:sld xmlns:a="http://schemas.openxmlformats.org/drawingml/2006/main" xmlns:r="http://schemas.openxmlformats.org/officeDocument/2006/relationships" xmlns:p="http://schemas.openxmlformats.org/presentationml/2006/main">
   <p:cSld>
     <p:spTree>
@@ -5701,7 +6270,7 @@
 </p:sld>
 </file>
 
-<file path=ppt/slides/slide9.xml><?xml version="1.0" encoding="utf-8"?>
+<file path=ppt/slides/slide8.xml><?xml version="1.0" encoding="utf-8"?>
 <p:sld xmlns:a="http://schemas.openxmlformats.org/drawingml/2006/main" xmlns:r="http://schemas.openxmlformats.org/officeDocument/2006/relationships" xmlns:p="http://schemas.openxmlformats.org/presentationml/2006/main">
   <p:cSld>
     <p:spTree>
@@ -5764,6 +6333,78 @@
     <p:extLst>
       <p:ext uri="{BB962C8B-B14F-4D97-AF65-F5344CB8AC3E}">
         <p14:creationId xmlns:p14="http://schemas.microsoft.com/office/powerpoint/2010/main" val="2189911118"/>
+      </p:ext>
+    </p:extLst>
+  </p:cSld>
+  <p:clrMapOvr>
+    <a:masterClrMapping/>
+  </p:clrMapOvr>
+</p:sld>
+</file>
+
+<file path=ppt/slides/slide9.xml><?xml version="1.0" encoding="utf-8"?>
+<p:sld xmlns:a="http://schemas.openxmlformats.org/drawingml/2006/main" xmlns:r="http://schemas.openxmlformats.org/officeDocument/2006/relationships" xmlns:p="http://schemas.openxmlformats.org/presentationml/2006/main">
+  <p:cSld>
+    <p:spTree>
+      <p:nvGrpSpPr>
+        <p:cNvPr id="1" name="">
+          <a:extLst>
+            <a:ext uri="{FF2B5EF4-FFF2-40B4-BE49-F238E27FC236}">
+              <a16:creationId xmlns:a16="http://schemas.microsoft.com/office/drawing/2014/main" id="{D18C3885-7360-85D6-1B5C-4CC72102B1DB}"/>
+            </a:ext>
+          </a:extLst>
+        </p:cNvPr>
+        <p:cNvGrpSpPr/>
+        <p:nvPr/>
+      </p:nvGrpSpPr>
+      <p:grpSpPr>
+        <a:xfrm>
+          <a:off x="0" y="0"/>
+          <a:ext cx="0" cy="0"/>
+          <a:chOff x="0" y="0"/>
+          <a:chExt cx="0" cy="0"/>
+        </a:xfrm>
+      </p:grpSpPr>
+      <p:sp>
+        <p:nvSpPr>
+          <p:cNvPr id="7" name="TextBox 6">
+            <a:extLst>
+              <a:ext uri="{FF2B5EF4-FFF2-40B4-BE49-F238E27FC236}">
+                <a16:creationId xmlns:a16="http://schemas.microsoft.com/office/drawing/2014/main" id="{D8D87F96-00BA-59E4-FCE5-9FCE9162D848}"/>
+              </a:ext>
+            </a:extLst>
+          </p:cNvPr>
+          <p:cNvSpPr txBox="1"/>
+          <p:nvPr/>
+        </p:nvSpPr>
+        <p:spPr>
+          <a:xfrm>
+            <a:off x="203200" y="244826"/>
+            <a:ext cx="11822545" cy="276999"/>
+          </a:xfrm>
+          <a:prstGeom prst="rect">
+            <a:avLst/>
+          </a:prstGeom>
+          <a:noFill/>
+        </p:spPr>
+        <p:txBody>
+          <a:bodyPr wrap="square">
+            <a:spAutoFit/>
+          </a:bodyPr>
+          <a:lstStyle/>
+          <a:p>
+            <a:r>
+              <a:rPr lang="az-Latn-AZ" sz="1200"/>
+              <a:t>.</a:t>
+            </a:r>
+            <a:endParaRPr lang="en-US" sz="1200"/>
+          </a:p>
+        </p:txBody>
+      </p:sp>
+    </p:spTree>
+    <p:extLst>
+      <p:ext uri="{BB962C8B-B14F-4D97-AF65-F5344CB8AC3E}">
+        <p14:creationId xmlns:p14="http://schemas.microsoft.com/office/powerpoint/2010/main" val="4137925783"/>
       </p:ext>
     </p:extLst>
   </p:cSld>
